--- a/Unearthed Innovation Project - Rising Stars.pptx
+++ b/Unearthed Innovation Project - Rising Stars.pptx
@@ -4,21 +4,26 @@
   <p:sldMasterIdLst>
     <p:sldMasterId id="2147483648" r:id="rId1"/>
   </p:sldMasterIdLst>
+  <p:notesMasterIdLst>
+    <p:notesMasterId r:id="rId18"/>
+  </p:notesMasterIdLst>
   <p:sldIdLst>
     <p:sldId id="256" r:id="rId2"/>
-    <p:sldId id="257" r:id="rId3"/>
-    <p:sldId id="259" r:id="rId4"/>
-    <p:sldId id="258" r:id="rId5"/>
-    <p:sldId id="262" r:id="rId6"/>
-    <p:sldId id="263" r:id="rId7"/>
-    <p:sldId id="264" r:id="rId8"/>
-    <p:sldId id="266" r:id="rId9"/>
-    <p:sldId id="265" r:id="rId10"/>
-    <p:sldId id="261" r:id="rId11"/>
-    <p:sldId id="267" r:id="rId12"/>
-    <p:sldId id="268" r:id="rId13"/>
-    <p:sldId id="269" r:id="rId14"/>
-    <p:sldId id="260" r:id="rId15"/>
+    <p:sldId id="270" r:id="rId3"/>
+    <p:sldId id="257" r:id="rId4"/>
+    <p:sldId id="259" r:id="rId5"/>
+    <p:sldId id="258" r:id="rId6"/>
+    <p:sldId id="262" r:id="rId7"/>
+    <p:sldId id="263" r:id="rId8"/>
+    <p:sldId id="264" r:id="rId9"/>
+    <p:sldId id="266" r:id="rId10"/>
+    <p:sldId id="265" r:id="rId11"/>
+    <p:sldId id="261" r:id="rId12"/>
+    <p:sldId id="267" r:id="rId13"/>
+    <p:sldId id="268" r:id="rId14"/>
+    <p:sldId id="269" r:id="rId15"/>
+    <p:sldId id="271" r:id="rId16"/>
+    <p:sldId id="272" r:id="rId17"/>
   </p:sldIdLst>
   <p:sldSz cx="12192000" cy="6858000"/>
   <p:notesSz cx="6858000" cy="9144000"/>
@@ -117,6 +122,11 @@
       </a:defRPr>
     </a:lvl9pPr>
   </p:defaultTextStyle>
+  <p:extLst>
+    <p:ext uri="{EFAFB233-063F-42B5-8137-9DF3F51BA10A}">
+      <p15:sldGuideLst xmlns:p15="http://schemas.microsoft.com/office/powerpoint/2012/main"/>
+    </p:ext>
+  </p:extLst>
 </p:presentation>
 </file>
 
@@ -130,6 +140,1573 @@
     </p:extLst>
   </p:cmAuthor>
 </p:cmAuthorLst>
+</file>
+
+<file path=ppt/notesMasters/notesMaster1.xml><?xml version="1.0" encoding="utf-8"?>
+<p:notesMaster xmlns:a="http://schemas.openxmlformats.org/drawingml/2006/main" xmlns:r="http://schemas.openxmlformats.org/officeDocument/2006/relationships" xmlns:p="http://schemas.openxmlformats.org/presentationml/2006/main">
+  <p:cSld>
+    <p:bg>
+      <p:bgRef idx="1001">
+        <a:schemeClr val="bg1"/>
+      </p:bgRef>
+    </p:bg>
+    <p:spTree>
+      <p:nvGrpSpPr>
+        <p:cNvPr id="1" name=""/>
+        <p:cNvGrpSpPr/>
+        <p:nvPr/>
+      </p:nvGrpSpPr>
+      <p:grpSpPr>
+        <a:xfrm>
+          <a:off x="0" y="0"/>
+          <a:ext cx="0" cy="0"/>
+          <a:chOff x="0" y="0"/>
+          <a:chExt cx="0" cy="0"/>
+        </a:xfrm>
+      </p:grpSpPr>
+      <p:sp>
+        <p:nvSpPr>
+          <p:cNvPr id="2" name="Header Placeholder 1"/>
+          <p:cNvSpPr>
+            <a:spLocks noGrp="1"/>
+          </p:cNvSpPr>
+          <p:nvPr>
+            <p:ph type="hdr" sz="quarter"/>
+          </p:nvPr>
+        </p:nvSpPr>
+        <p:spPr>
+          <a:xfrm>
+            <a:off x="0" y="0"/>
+            <a:ext cx="2971800" cy="458788"/>
+          </a:xfrm>
+          <a:prstGeom prst="rect">
+            <a:avLst/>
+          </a:prstGeom>
+        </p:spPr>
+        <p:txBody>
+          <a:bodyPr vert="horz" lIns="91440" tIns="45720" rIns="91440" bIns="45720" rtlCol="0"/>
+          <a:lstStyle>
+            <a:lvl1pPr algn="l">
+              <a:defRPr sz="1200"/>
+            </a:lvl1pPr>
+          </a:lstStyle>
+          <a:p>
+            <a:endParaRPr lang="en-US"/>
+          </a:p>
+        </p:txBody>
+      </p:sp>
+      <p:sp>
+        <p:nvSpPr>
+          <p:cNvPr id="3" name="Date Placeholder 2"/>
+          <p:cNvSpPr>
+            <a:spLocks noGrp="1"/>
+          </p:cNvSpPr>
+          <p:nvPr>
+            <p:ph type="dt" idx="1"/>
+          </p:nvPr>
+        </p:nvSpPr>
+        <p:spPr>
+          <a:xfrm>
+            <a:off x="3884613" y="0"/>
+            <a:ext cx="2971800" cy="458788"/>
+          </a:xfrm>
+          <a:prstGeom prst="rect">
+            <a:avLst/>
+          </a:prstGeom>
+        </p:spPr>
+        <p:txBody>
+          <a:bodyPr vert="horz" lIns="91440" tIns="45720" rIns="91440" bIns="45720" rtlCol="0"/>
+          <a:lstStyle>
+            <a:lvl1pPr algn="r">
+              <a:defRPr sz="1200"/>
+            </a:lvl1pPr>
+          </a:lstStyle>
+          <a:p>
+            <a:fld id="{C18FD63A-F8FC-4A0C-8540-00C7AED4F48E}" type="datetimeFigureOut">
+              <a:rPr lang="en-US" smtClean="0"/>
+              <a:t>10/23/2025</a:t>
+            </a:fld>
+            <a:endParaRPr lang="en-US"/>
+          </a:p>
+        </p:txBody>
+      </p:sp>
+      <p:sp>
+        <p:nvSpPr>
+          <p:cNvPr id="4" name="Slide Image Placeholder 3"/>
+          <p:cNvSpPr>
+            <a:spLocks noGrp="1" noRot="1" noChangeAspect="1"/>
+          </p:cNvSpPr>
+          <p:nvPr>
+            <p:ph type="sldImg" idx="2"/>
+          </p:nvPr>
+        </p:nvSpPr>
+        <p:spPr>
+          <a:xfrm>
+            <a:off x="685800" y="1143000"/>
+            <a:ext cx="5486400" cy="3086100"/>
+          </a:xfrm>
+          <a:prstGeom prst="rect">
+            <a:avLst/>
+          </a:prstGeom>
+          <a:noFill/>
+          <a:ln w="12700">
+            <a:solidFill>
+              <a:prstClr val="black"/>
+            </a:solidFill>
+          </a:ln>
+        </p:spPr>
+        <p:txBody>
+          <a:bodyPr vert="horz" lIns="91440" tIns="45720" rIns="91440" bIns="45720" rtlCol="0" anchor="ctr"/>
+          <a:lstStyle/>
+          <a:p>
+            <a:endParaRPr lang="en-US"/>
+          </a:p>
+        </p:txBody>
+      </p:sp>
+      <p:sp>
+        <p:nvSpPr>
+          <p:cNvPr id="5" name="Notes Placeholder 4"/>
+          <p:cNvSpPr>
+            <a:spLocks noGrp="1"/>
+          </p:cNvSpPr>
+          <p:nvPr>
+            <p:ph type="body" sz="quarter" idx="3"/>
+          </p:nvPr>
+        </p:nvSpPr>
+        <p:spPr>
+          <a:xfrm>
+            <a:off x="685800" y="4400550"/>
+            <a:ext cx="5486400" cy="3600450"/>
+          </a:xfrm>
+          <a:prstGeom prst="rect">
+            <a:avLst/>
+          </a:prstGeom>
+        </p:spPr>
+        <p:txBody>
+          <a:bodyPr vert="horz" lIns="91440" tIns="45720" rIns="91440" bIns="45720" rtlCol="0"/>
+          <a:lstStyle/>
+          <a:p>
+            <a:pPr lvl="0"/>
+            <a:r>
+              <a:rPr lang="en-US"/>
+              <a:t>Click to edit Master text styles</a:t>
+            </a:r>
+          </a:p>
+          <a:p>
+            <a:pPr lvl="1"/>
+            <a:r>
+              <a:rPr lang="en-US"/>
+              <a:t>Second level</a:t>
+            </a:r>
+          </a:p>
+          <a:p>
+            <a:pPr lvl="2"/>
+            <a:r>
+              <a:rPr lang="en-US"/>
+              <a:t>Third level</a:t>
+            </a:r>
+          </a:p>
+          <a:p>
+            <a:pPr lvl="3"/>
+            <a:r>
+              <a:rPr lang="en-US"/>
+              <a:t>Fourth level</a:t>
+            </a:r>
+          </a:p>
+          <a:p>
+            <a:pPr lvl="4"/>
+            <a:r>
+              <a:rPr lang="en-US"/>
+              <a:t>Fifth level</a:t>
+            </a:r>
+          </a:p>
+        </p:txBody>
+      </p:sp>
+      <p:sp>
+        <p:nvSpPr>
+          <p:cNvPr id="6" name="Footer Placeholder 5"/>
+          <p:cNvSpPr>
+            <a:spLocks noGrp="1"/>
+          </p:cNvSpPr>
+          <p:nvPr>
+            <p:ph type="ftr" sz="quarter" idx="4"/>
+          </p:nvPr>
+        </p:nvSpPr>
+        <p:spPr>
+          <a:xfrm>
+            <a:off x="0" y="8685213"/>
+            <a:ext cx="2971800" cy="458787"/>
+          </a:xfrm>
+          <a:prstGeom prst="rect">
+            <a:avLst/>
+          </a:prstGeom>
+        </p:spPr>
+        <p:txBody>
+          <a:bodyPr vert="horz" lIns="91440" tIns="45720" rIns="91440" bIns="45720" rtlCol="0" anchor="b"/>
+          <a:lstStyle>
+            <a:lvl1pPr algn="l">
+              <a:defRPr sz="1200"/>
+            </a:lvl1pPr>
+          </a:lstStyle>
+          <a:p>
+            <a:endParaRPr lang="en-US"/>
+          </a:p>
+        </p:txBody>
+      </p:sp>
+      <p:sp>
+        <p:nvSpPr>
+          <p:cNvPr id="7" name="Slide Number Placeholder 6"/>
+          <p:cNvSpPr>
+            <a:spLocks noGrp="1"/>
+          </p:cNvSpPr>
+          <p:nvPr>
+            <p:ph type="sldNum" sz="quarter" idx="5"/>
+          </p:nvPr>
+        </p:nvSpPr>
+        <p:spPr>
+          <a:xfrm>
+            <a:off x="3884613" y="8685213"/>
+            <a:ext cx="2971800" cy="458787"/>
+          </a:xfrm>
+          <a:prstGeom prst="rect">
+            <a:avLst/>
+          </a:prstGeom>
+        </p:spPr>
+        <p:txBody>
+          <a:bodyPr vert="horz" lIns="91440" tIns="45720" rIns="91440" bIns="45720" rtlCol="0" anchor="b"/>
+          <a:lstStyle>
+            <a:lvl1pPr algn="r">
+              <a:defRPr sz="1200"/>
+            </a:lvl1pPr>
+          </a:lstStyle>
+          <a:p>
+            <a:fld id="{2F4228F8-FB73-46B0-A250-E6C5C0B176A9}" type="slidenum">
+              <a:rPr lang="en-US" smtClean="0"/>
+              <a:t>‹#›</a:t>
+            </a:fld>
+            <a:endParaRPr lang="en-US"/>
+          </a:p>
+        </p:txBody>
+      </p:sp>
+    </p:spTree>
+    <p:extLst>
+      <p:ext uri="{BB962C8B-B14F-4D97-AF65-F5344CB8AC3E}">
+        <p14:creationId xmlns:p14="http://schemas.microsoft.com/office/powerpoint/2010/main" val="1034642166"/>
+      </p:ext>
+    </p:extLst>
+  </p:cSld>
+  <p:clrMap bg1="lt1" tx1="dk1" bg2="lt2" tx2="dk2" accent1="accent1" accent2="accent2" accent3="accent3" accent4="accent4" accent5="accent5" accent6="accent6" hlink="hlink" folHlink="folHlink"/>
+  <p:notesStyle>
+    <a:lvl1pPr marL="0" algn="l" defTabSz="914400" rtl="0" eaLnBrk="1" latinLnBrk="0" hangingPunct="1">
+      <a:defRPr sz="1200" kern="1200">
+        <a:solidFill>
+          <a:schemeClr val="tx1"/>
+        </a:solidFill>
+        <a:latin typeface="+mn-lt"/>
+        <a:ea typeface="+mn-ea"/>
+        <a:cs typeface="+mn-cs"/>
+      </a:defRPr>
+    </a:lvl1pPr>
+    <a:lvl2pPr marL="457200" algn="l" defTabSz="914400" rtl="0" eaLnBrk="1" latinLnBrk="0" hangingPunct="1">
+      <a:defRPr sz="1200" kern="1200">
+        <a:solidFill>
+          <a:schemeClr val="tx1"/>
+        </a:solidFill>
+        <a:latin typeface="+mn-lt"/>
+        <a:ea typeface="+mn-ea"/>
+        <a:cs typeface="+mn-cs"/>
+      </a:defRPr>
+    </a:lvl2pPr>
+    <a:lvl3pPr marL="914400" algn="l" defTabSz="914400" rtl="0" eaLnBrk="1" latinLnBrk="0" hangingPunct="1">
+      <a:defRPr sz="1200" kern="1200">
+        <a:solidFill>
+          <a:schemeClr val="tx1"/>
+        </a:solidFill>
+        <a:latin typeface="+mn-lt"/>
+        <a:ea typeface="+mn-ea"/>
+        <a:cs typeface="+mn-cs"/>
+      </a:defRPr>
+    </a:lvl3pPr>
+    <a:lvl4pPr marL="1371600" algn="l" defTabSz="914400" rtl="0" eaLnBrk="1" latinLnBrk="0" hangingPunct="1">
+      <a:defRPr sz="1200" kern="1200">
+        <a:solidFill>
+          <a:schemeClr val="tx1"/>
+        </a:solidFill>
+        <a:latin typeface="+mn-lt"/>
+        <a:ea typeface="+mn-ea"/>
+        <a:cs typeface="+mn-cs"/>
+      </a:defRPr>
+    </a:lvl4pPr>
+    <a:lvl5pPr marL="1828800" algn="l" defTabSz="914400" rtl="0" eaLnBrk="1" latinLnBrk="0" hangingPunct="1">
+      <a:defRPr sz="1200" kern="1200">
+        <a:solidFill>
+          <a:schemeClr val="tx1"/>
+        </a:solidFill>
+        <a:latin typeface="+mn-lt"/>
+        <a:ea typeface="+mn-ea"/>
+        <a:cs typeface="+mn-cs"/>
+      </a:defRPr>
+    </a:lvl5pPr>
+    <a:lvl6pPr marL="2286000" algn="l" defTabSz="914400" rtl="0" eaLnBrk="1" latinLnBrk="0" hangingPunct="1">
+      <a:defRPr sz="1200" kern="1200">
+        <a:solidFill>
+          <a:schemeClr val="tx1"/>
+        </a:solidFill>
+        <a:latin typeface="+mn-lt"/>
+        <a:ea typeface="+mn-ea"/>
+        <a:cs typeface="+mn-cs"/>
+      </a:defRPr>
+    </a:lvl6pPr>
+    <a:lvl7pPr marL="2743200" algn="l" defTabSz="914400" rtl="0" eaLnBrk="1" latinLnBrk="0" hangingPunct="1">
+      <a:defRPr sz="1200" kern="1200">
+        <a:solidFill>
+          <a:schemeClr val="tx1"/>
+        </a:solidFill>
+        <a:latin typeface="+mn-lt"/>
+        <a:ea typeface="+mn-ea"/>
+        <a:cs typeface="+mn-cs"/>
+      </a:defRPr>
+    </a:lvl7pPr>
+    <a:lvl8pPr marL="3200400" algn="l" defTabSz="914400" rtl="0" eaLnBrk="1" latinLnBrk="0" hangingPunct="1">
+      <a:defRPr sz="1200" kern="1200">
+        <a:solidFill>
+          <a:schemeClr val="tx1"/>
+        </a:solidFill>
+        <a:latin typeface="+mn-lt"/>
+        <a:ea typeface="+mn-ea"/>
+        <a:cs typeface="+mn-cs"/>
+      </a:defRPr>
+    </a:lvl8pPr>
+    <a:lvl9pPr marL="3657600" algn="l" defTabSz="914400" rtl="0" eaLnBrk="1" latinLnBrk="0" hangingPunct="1">
+      <a:defRPr sz="1200" kern="1200">
+        <a:solidFill>
+          <a:schemeClr val="tx1"/>
+        </a:solidFill>
+        <a:latin typeface="+mn-lt"/>
+        <a:ea typeface="+mn-ea"/>
+        <a:cs typeface="+mn-cs"/>
+      </a:defRPr>
+    </a:lvl9pPr>
+  </p:notesStyle>
+</p:notesMaster>
+</file>
+
+<file path=ppt/notesSlides/notesSlide1.xml><?xml version="1.0" encoding="utf-8"?>
+<p:notes xmlns:a="http://schemas.openxmlformats.org/drawingml/2006/main" xmlns:r="http://schemas.openxmlformats.org/officeDocument/2006/relationships" xmlns:p="http://schemas.openxmlformats.org/presentationml/2006/main">
+  <p:cSld>
+    <p:spTree>
+      <p:nvGrpSpPr>
+        <p:cNvPr id="1" name=""/>
+        <p:cNvGrpSpPr/>
+        <p:nvPr/>
+      </p:nvGrpSpPr>
+      <p:grpSpPr>
+        <a:xfrm>
+          <a:off x="0" y="0"/>
+          <a:ext cx="0" cy="0"/>
+          <a:chOff x="0" y="0"/>
+          <a:chExt cx="0" cy="0"/>
+        </a:xfrm>
+      </p:grpSpPr>
+      <p:sp>
+        <p:nvSpPr>
+          <p:cNvPr id="2" name="Slide Image Placeholder 1"/>
+          <p:cNvSpPr>
+            <a:spLocks noGrp="1" noRot="1" noChangeAspect="1"/>
+          </p:cNvSpPr>
+          <p:nvPr>
+            <p:ph type="sldImg"/>
+          </p:nvPr>
+        </p:nvSpPr>
+        <p:spPr/>
+      </p:sp>
+      <p:sp>
+        <p:nvSpPr>
+          <p:cNvPr id="3" name="Notes Placeholder 2"/>
+          <p:cNvSpPr>
+            <a:spLocks noGrp="1"/>
+          </p:cNvSpPr>
+          <p:nvPr>
+            <p:ph type="body" idx="1"/>
+          </p:nvPr>
+        </p:nvSpPr>
+        <p:spPr/>
+        <p:txBody>
+          <a:bodyPr/>
+          <a:lstStyle/>
+          <a:p>
+            <a:r>
+              <a:rPr lang="en-US" dirty="0"/>
+              <a:t>Riona</a:t>
+            </a:r>
+          </a:p>
+        </p:txBody>
+      </p:sp>
+      <p:sp>
+        <p:nvSpPr>
+          <p:cNvPr id="4" name="Slide Number Placeholder 3"/>
+          <p:cNvSpPr>
+            <a:spLocks noGrp="1"/>
+          </p:cNvSpPr>
+          <p:nvPr>
+            <p:ph type="sldNum" sz="quarter" idx="5"/>
+          </p:nvPr>
+        </p:nvSpPr>
+        <p:spPr/>
+        <p:txBody>
+          <a:bodyPr/>
+          <a:lstStyle/>
+          <a:p>
+            <a:fld id="{2F4228F8-FB73-46B0-A250-E6C5C0B176A9}" type="slidenum">
+              <a:rPr lang="en-US" smtClean="0"/>
+              <a:t>1</a:t>
+            </a:fld>
+            <a:endParaRPr lang="en-US"/>
+          </a:p>
+        </p:txBody>
+      </p:sp>
+    </p:spTree>
+    <p:extLst>
+      <p:ext uri="{BB962C8B-B14F-4D97-AF65-F5344CB8AC3E}">
+        <p14:creationId xmlns:p14="http://schemas.microsoft.com/office/powerpoint/2010/main" val="3719279412"/>
+      </p:ext>
+    </p:extLst>
+  </p:cSld>
+  <p:clrMapOvr>
+    <a:masterClrMapping/>
+  </p:clrMapOvr>
+</p:notes>
+</file>
+
+<file path=ppt/notesSlides/notesSlide10.xml><?xml version="1.0" encoding="utf-8"?>
+<p:notes xmlns:a="http://schemas.openxmlformats.org/drawingml/2006/main" xmlns:r="http://schemas.openxmlformats.org/officeDocument/2006/relationships" xmlns:p="http://schemas.openxmlformats.org/presentationml/2006/main">
+  <p:cSld>
+    <p:spTree>
+      <p:nvGrpSpPr>
+        <p:cNvPr id="1" name=""/>
+        <p:cNvGrpSpPr/>
+        <p:nvPr/>
+      </p:nvGrpSpPr>
+      <p:grpSpPr>
+        <a:xfrm>
+          <a:off x="0" y="0"/>
+          <a:ext cx="0" cy="0"/>
+          <a:chOff x="0" y="0"/>
+          <a:chExt cx="0" cy="0"/>
+        </a:xfrm>
+      </p:grpSpPr>
+      <p:sp>
+        <p:nvSpPr>
+          <p:cNvPr id="2" name="Slide Image Placeholder 1"/>
+          <p:cNvSpPr>
+            <a:spLocks noGrp="1" noRot="1" noChangeAspect="1"/>
+          </p:cNvSpPr>
+          <p:nvPr>
+            <p:ph type="sldImg"/>
+          </p:nvPr>
+        </p:nvSpPr>
+        <p:spPr/>
+      </p:sp>
+      <p:sp>
+        <p:nvSpPr>
+          <p:cNvPr id="3" name="Notes Placeholder 2"/>
+          <p:cNvSpPr>
+            <a:spLocks noGrp="1"/>
+          </p:cNvSpPr>
+          <p:nvPr>
+            <p:ph type="body" idx="1"/>
+          </p:nvPr>
+        </p:nvSpPr>
+        <p:spPr/>
+        <p:txBody>
+          <a:bodyPr/>
+          <a:lstStyle/>
+          <a:p>
+            <a:r>
+              <a:rPr lang="en-US" dirty="0"/>
+              <a:t>Saumya</a:t>
+            </a:r>
+          </a:p>
+        </p:txBody>
+      </p:sp>
+      <p:sp>
+        <p:nvSpPr>
+          <p:cNvPr id="4" name="Slide Number Placeholder 3"/>
+          <p:cNvSpPr>
+            <a:spLocks noGrp="1"/>
+          </p:cNvSpPr>
+          <p:nvPr>
+            <p:ph type="sldNum" sz="quarter" idx="5"/>
+          </p:nvPr>
+        </p:nvSpPr>
+        <p:spPr/>
+        <p:txBody>
+          <a:bodyPr/>
+          <a:lstStyle/>
+          <a:p>
+            <a:fld id="{2F4228F8-FB73-46B0-A250-E6C5C0B176A9}" type="slidenum">
+              <a:rPr lang="en-US" smtClean="0"/>
+              <a:t>10</a:t>
+            </a:fld>
+            <a:endParaRPr lang="en-US"/>
+          </a:p>
+        </p:txBody>
+      </p:sp>
+    </p:spTree>
+    <p:extLst>
+      <p:ext uri="{BB962C8B-B14F-4D97-AF65-F5344CB8AC3E}">
+        <p14:creationId xmlns:p14="http://schemas.microsoft.com/office/powerpoint/2010/main" val="3934391254"/>
+      </p:ext>
+    </p:extLst>
+  </p:cSld>
+  <p:clrMapOvr>
+    <a:masterClrMapping/>
+  </p:clrMapOvr>
+</p:notes>
+</file>
+
+<file path=ppt/notesSlides/notesSlide11.xml><?xml version="1.0" encoding="utf-8"?>
+<p:notes xmlns:a="http://schemas.openxmlformats.org/drawingml/2006/main" xmlns:r="http://schemas.openxmlformats.org/officeDocument/2006/relationships" xmlns:p="http://schemas.openxmlformats.org/presentationml/2006/main">
+  <p:cSld>
+    <p:spTree>
+      <p:nvGrpSpPr>
+        <p:cNvPr id="1" name=""/>
+        <p:cNvGrpSpPr/>
+        <p:nvPr/>
+      </p:nvGrpSpPr>
+      <p:grpSpPr>
+        <a:xfrm>
+          <a:off x="0" y="0"/>
+          <a:ext cx="0" cy="0"/>
+          <a:chOff x="0" y="0"/>
+          <a:chExt cx="0" cy="0"/>
+        </a:xfrm>
+      </p:grpSpPr>
+      <p:sp>
+        <p:nvSpPr>
+          <p:cNvPr id="2" name="Slide Image Placeholder 1"/>
+          <p:cNvSpPr>
+            <a:spLocks noGrp="1" noRot="1" noChangeAspect="1"/>
+          </p:cNvSpPr>
+          <p:nvPr>
+            <p:ph type="sldImg"/>
+          </p:nvPr>
+        </p:nvSpPr>
+        <p:spPr/>
+      </p:sp>
+      <p:sp>
+        <p:nvSpPr>
+          <p:cNvPr id="3" name="Notes Placeholder 2"/>
+          <p:cNvSpPr>
+            <a:spLocks noGrp="1"/>
+          </p:cNvSpPr>
+          <p:nvPr>
+            <p:ph type="body" idx="1"/>
+          </p:nvPr>
+        </p:nvSpPr>
+        <p:spPr/>
+        <p:txBody>
+          <a:bodyPr/>
+          <a:lstStyle/>
+          <a:p>
+            <a:r>
+              <a:rPr lang="en-US" dirty="0"/>
+              <a:t>Girisha</a:t>
+            </a:r>
+          </a:p>
+        </p:txBody>
+      </p:sp>
+      <p:sp>
+        <p:nvSpPr>
+          <p:cNvPr id="4" name="Slide Number Placeholder 3"/>
+          <p:cNvSpPr>
+            <a:spLocks noGrp="1"/>
+          </p:cNvSpPr>
+          <p:nvPr>
+            <p:ph type="sldNum" sz="quarter" idx="5"/>
+          </p:nvPr>
+        </p:nvSpPr>
+        <p:spPr/>
+        <p:txBody>
+          <a:bodyPr/>
+          <a:lstStyle/>
+          <a:p>
+            <a:fld id="{2F4228F8-FB73-46B0-A250-E6C5C0B176A9}" type="slidenum">
+              <a:rPr lang="en-US" smtClean="0"/>
+              <a:t>11</a:t>
+            </a:fld>
+            <a:endParaRPr lang="en-US"/>
+          </a:p>
+        </p:txBody>
+      </p:sp>
+    </p:spTree>
+    <p:extLst>
+      <p:ext uri="{BB962C8B-B14F-4D97-AF65-F5344CB8AC3E}">
+        <p14:creationId xmlns:p14="http://schemas.microsoft.com/office/powerpoint/2010/main" val="3219759822"/>
+      </p:ext>
+    </p:extLst>
+  </p:cSld>
+  <p:clrMapOvr>
+    <a:masterClrMapping/>
+  </p:clrMapOvr>
+</p:notes>
+</file>
+
+<file path=ppt/notesSlides/notesSlide12.xml><?xml version="1.0" encoding="utf-8"?>
+<p:notes xmlns:a="http://schemas.openxmlformats.org/drawingml/2006/main" xmlns:r="http://schemas.openxmlformats.org/officeDocument/2006/relationships" xmlns:p="http://schemas.openxmlformats.org/presentationml/2006/main">
+  <p:cSld>
+    <p:spTree>
+      <p:nvGrpSpPr>
+        <p:cNvPr id="1" name=""/>
+        <p:cNvGrpSpPr/>
+        <p:nvPr/>
+      </p:nvGrpSpPr>
+      <p:grpSpPr>
+        <a:xfrm>
+          <a:off x="0" y="0"/>
+          <a:ext cx="0" cy="0"/>
+          <a:chOff x="0" y="0"/>
+          <a:chExt cx="0" cy="0"/>
+        </a:xfrm>
+      </p:grpSpPr>
+      <p:sp>
+        <p:nvSpPr>
+          <p:cNvPr id="2" name="Slide Image Placeholder 1"/>
+          <p:cNvSpPr>
+            <a:spLocks noGrp="1" noRot="1" noChangeAspect="1"/>
+          </p:cNvSpPr>
+          <p:nvPr>
+            <p:ph type="sldImg"/>
+          </p:nvPr>
+        </p:nvSpPr>
+        <p:spPr/>
+      </p:sp>
+      <p:sp>
+        <p:nvSpPr>
+          <p:cNvPr id="3" name="Notes Placeholder 2"/>
+          <p:cNvSpPr>
+            <a:spLocks noGrp="1"/>
+          </p:cNvSpPr>
+          <p:nvPr>
+            <p:ph type="body" idx="1"/>
+          </p:nvPr>
+        </p:nvSpPr>
+        <p:spPr/>
+        <p:txBody>
+          <a:bodyPr/>
+          <a:lstStyle/>
+          <a:p>
+            <a:r>
+              <a:rPr lang="en-US" dirty="0"/>
+              <a:t>Girisha</a:t>
+            </a:r>
+          </a:p>
+        </p:txBody>
+      </p:sp>
+      <p:sp>
+        <p:nvSpPr>
+          <p:cNvPr id="4" name="Slide Number Placeholder 3"/>
+          <p:cNvSpPr>
+            <a:spLocks noGrp="1"/>
+          </p:cNvSpPr>
+          <p:nvPr>
+            <p:ph type="sldNum" sz="quarter" idx="5"/>
+          </p:nvPr>
+        </p:nvSpPr>
+        <p:spPr/>
+        <p:txBody>
+          <a:bodyPr/>
+          <a:lstStyle/>
+          <a:p>
+            <a:fld id="{2F4228F8-FB73-46B0-A250-E6C5C0B176A9}" type="slidenum">
+              <a:rPr lang="en-US" smtClean="0"/>
+              <a:t>12</a:t>
+            </a:fld>
+            <a:endParaRPr lang="en-US"/>
+          </a:p>
+        </p:txBody>
+      </p:sp>
+    </p:spTree>
+    <p:extLst>
+      <p:ext uri="{BB962C8B-B14F-4D97-AF65-F5344CB8AC3E}">
+        <p14:creationId xmlns:p14="http://schemas.microsoft.com/office/powerpoint/2010/main" val="2067326997"/>
+      </p:ext>
+    </p:extLst>
+  </p:cSld>
+  <p:clrMapOvr>
+    <a:masterClrMapping/>
+  </p:clrMapOvr>
+</p:notes>
+</file>
+
+<file path=ppt/notesSlides/notesSlide13.xml><?xml version="1.0" encoding="utf-8"?>
+<p:notes xmlns:a="http://schemas.openxmlformats.org/drawingml/2006/main" xmlns:r="http://schemas.openxmlformats.org/officeDocument/2006/relationships" xmlns:p="http://schemas.openxmlformats.org/presentationml/2006/main">
+  <p:cSld>
+    <p:spTree>
+      <p:nvGrpSpPr>
+        <p:cNvPr id="1" name=""/>
+        <p:cNvGrpSpPr/>
+        <p:nvPr/>
+      </p:nvGrpSpPr>
+      <p:grpSpPr>
+        <a:xfrm>
+          <a:off x="0" y="0"/>
+          <a:ext cx="0" cy="0"/>
+          <a:chOff x="0" y="0"/>
+          <a:chExt cx="0" cy="0"/>
+        </a:xfrm>
+      </p:grpSpPr>
+      <p:sp>
+        <p:nvSpPr>
+          <p:cNvPr id="2" name="Slide Image Placeholder 1"/>
+          <p:cNvSpPr>
+            <a:spLocks noGrp="1" noRot="1" noChangeAspect="1"/>
+          </p:cNvSpPr>
+          <p:nvPr>
+            <p:ph type="sldImg"/>
+          </p:nvPr>
+        </p:nvSpPr>
+        <p:spPr/>
+      </p:sp>
+      <p:sp>
+        <p:nvSpPr>
+          <p:cNvPr id="3" name="Notes Placeholder 2"/>
+          <p:cNvSpPr>
+            <a:spLocks noGrp="1"/>
+          </p:cNvSpPr>
+          <p:nvPr>
+            <p:ph type="body" idx="1"/>
+          </p:nvPr>
+        </p:nvSpPr>
+        <p:spPr/>
+        <p:txBody>
+          <a:bodyPr/>
+          <a:lstStyle/>
+          <a:p>
+            <a:r>
+              <a:rPr lang="en-US" dirty="0"/>
+              <a:t>Riya</a:t>
+            </a:r>
+          </a:p>
+        </p:txBody>
+      </p:sp>
+      <p:sp>
+        <p:nvSpPr>
+          <p:cNvPr id="4" name="Slide Number Placeholder 3"/>
+          <p:cNvSpPr>
+            <a:spLocks noGrp="1"/>
+          </p:cNvSpPr>
+          <p:nvPr>
+            <p:ph type="sldNum" sz="quarter" idx="5"/>
+          </p:nvPr>
+        </p:nvSpPr>
+        <p:spPr/>
+        <p:txBody>
+          <a:bodyPr/>
+          <a:lstStyle/>
+          <a:p>
+            <a:fld id="{2F4228F8-FB73-46B0-A250-E6C5C0B176A9}" type="slidenum">
+              <a:rPr lang="en-US" smtClean="0"/>
+              <a:t>13</a:t>
+            </a:fld>
+            <a:endParaRPr lang="en-US"/>
+          </a:p>
+        </p:txBody>
+      </p:sp>
+    </p:spTree>
+    <p:extLst>
+      <p:ext uri="{BB962C8B-B14F-4D97-AF65-F5344CB8AC3E}">
+        <p14:creationId xmlns:p14="http://schemas.microsoft.com/office/powerpoint/2010/main" val="1422305149"/>
+      </p:ext>
+    </p:extLst>
+  </p:cSld>
+  <p:clrMapOvr>
+    <a:masterClrMapping/>
+  </p:clrMapOvr>
+</p:notes>
+</file>
+
+<file path=ppt/notesSlides/notesSlide14.xml><?xml version="1.0" encoding="utf-8"?>
+<p:notes xmlns:a="http://schemas.openxmlformats.org/drawingml/2006/main" xmlns:r="http://schemas.openxmlformats.org/officeDocument/2006/relationships" xmlns:p="http://schemas.openxmlformats.org/presentationml/2006/main">
+  <p:cSld>
+    <p:spTree>
+      <p:nvGrpSpPr>
+        <p:cNvPr id="1" name=""/>
+        <p:cNvGrpSpPr/>
+        <p:nvPr/>
+      </p:nvGrpSpPr>
+      <p:grpSpPr>
+        <a:xfrm>
+          <a:off x="0" y="0"/>
+          <a:ext cx="0" cy="0"/>
+          <a:chOff x="0" y="0"/>
+          <a:chExt cx="0" cy="0"/>
+        </a:xfrm>
+      </p:grpSpPr>
+      <p:sp>
+        <p:nvSpPr>
+          <p:cNvPr id="2" name="Slide Image Placeholder 1"/>
+          <p:cNvSpPr>
+            <a:spLocks noGrp="1" noRot="1" noChangeAspect="1"/>
+          </p:cNvSpPr>
+          <p:nvPr>
+            <p:ph type="sldImg"/>
+          </p:nvPr>
+        </p:nvSpPr>
+        <p:spPr/>
+      </p:sp>
+      <p:sp>
+        <p:nvSpPr>
+          <p:cNvPr id="3" name="Notes Placeholder 2"/>
+          <p:cNvSpPr>
+            <a:spLocks noGrp="1"/>
+          </p:cNvSpPr>
+          <p:nvPr>
+            <p:ph type="body" idx="1"/>
+          </p:nvPr>
+        </p:nvSpPr>
+        <p:spPr/>
+        <p:txBody>
+          <a:bodyPr/>
+          <a:lstStyle/>
+          <a:p>
+            <a:r>
+              <a:rPr lang="en-US" dirty="0"/>
+              <a:t>Riya</a:t>
+            </a:r>
+          </a:p>
+        </p:txBody>
+      </p:sp>
+      <p:sp>
+        <p:nvSpPr>
+          <p:cNvPr id="4" name="Slide Number Placeholder 3"/>
+          <p:cNvSpPr>
+            <a:spLocks noGrp="1"/>
+          </p:cNvSpPr>
+          <p:nvPr>
+            <p:ph type="sldNum" sz="quarter" idx="5"/>
+          </p:nvPr>
+        </p:nvSpPr>
+        <p:spPr/>
+        <p:txBody>
+          <a:bodyPr/>
+          <a:lstStyle/>
+          <a:p>
+            <a:fld id="{2F4228F8-FB73-46B0-A250-E6C5C0B176A9}" type="slidenum">
+              <a:rPr lang="en-US" smtClean="0"/>
+              <a:t>14</a:t>
+            </a:fld>
+            <a:endParaRPr lang="en-US"/>
+          </a:p>
+        </p:txBody>
+      </p:sp>
+    </p:spTree>
+    <p:extLst>
+      <p:ext uri="{BB962C8B-B14F-4D97-AF65-F5344CB8AC3E}">
+        <p14:creationId xmlns:p14="http://schemas.microsoft.com/office/powerpoint/2010/main" val="1946948410"/>
+      </p:ext>
+    </p:extLst>
+  </p:cSld>
+  <p:clrMapOvr>
+    <a:masterClrMapping/>
+  </p:clrMapOvr>
+</p:notes>
+</file>
+
+<file path=ppt/notesSlides/notesSlide2.xml><?xml version="1.0" encoding="utf-8"?>
+<p:notes xmlns:a="http://schemas.openxmlformats.org/drawingml/2006/main" xmlns:r="http://schemas.openxmlformats.org/officeDocument/2006/relationships" xmlns:p="http://schemas.openxmlformats.org/presentationml/2006/main">
+  <p:cSld>
+    <p:spTree>
+      <p:nvGrpSpPr>
+        <p:cNvPr id="1" name=""/>
+        <p:cNvGrpSpPr/>
+        <p:nvPr/>
+      </p:nvGrpSpPr>
+      <p:grpSpPr>
+        <a:xfrm>
+          <a:off x="0" y="0"/>
+          <a:ext cx="0" cy="0"/>
+          <a:chOff x="0" y="0"/>
+          <a:chExt cx="0" cy="0"/>
+        </a:xfrm>
+      </p:grpSpPr>
+      <p:sp>
+        <p:nvSpPr>
+          <p:cNvPr id="2" name="Slide Image Placeholder 1"/>
+          <p:cNvSpPr>
+            <a:spLocks noGrp="1" noRot="1" noChangeAspect="1"/>
+          </p:cNvSpPr>
+          <p:nvPr>
+            <p:ph type="sldImg"/>
+          </p:nvPr>
+        </p:nvSpPr>
+        <p:spPr/>
+      </p:sp>
+      <p:sp>
+        <p:nvSpPr>
+          <p:cNvPr id="3" name="Notes Placeholder 2"/>
+          <p:cNvSpPr>
+            <a:spLocks noGrp="1"/>
+          </p:cNvSpPr>
+          <p:nvPr>
+            <p:ph type="body" idx="1"/>
+          </p:nvPr>
+        </p:nvSpPr>
+        <p:spPr/>
+        <p:txBody>
+          <a:bodyPr/>
+          <a:lstStyle/>
+          <a:p>
+            <a:r>
+              <a:rPr lang="en-US" dirty="0"/>
+              <a:t>Riona</a:t>
+            </a:r>
+          </a:p>
+        </p:txBody>
+      </p:sp>
+      <p:sp>
+        <p:nvSpPr>
+          <p:cNvPr id="4" name="Slide Number Placeholder 3"/>
+          <p:cNvSpPr>
+            <a:spLocks noGrp="1"/>
+          </p:cNvSpPr>
+          <p:nvPr>
+            <p:ph type="sldNum" sz="quarter" idx="5"/>
+          </p:nvPr>
+        </p:nvSpPr>
+        <p:spPr/>
+        <p:txBody>
+          <a:bodyPr/>
+          <a:lstStyle/>
+          <a:p>
+            <a:fld id="{2F4228F8-FB73-46B0-A250-E6C5C0B176A9}" type="slidenum">
+              <a:rPr lang="en-US" smtClean="0"/>
+              <a:t>2</a:t>
+            </a:fld>
+            <a:endParaRPr lang="en-US"/>
+          </a:p>
+        </p:txBody>
+      </p:sp>
+    </p:spTree>
+    <p:extLst>
+      <p:ext uri="{BB962C8B-B14F-4D97-AF65-F5344CB8AC3E}">
+        <p14:creationId xmlns:p14="http://schemas.microsoft.com/office/powerpoint/2010/main" val="1248425274"/>
+      </p:ext>
+    </p:extLst>
+  </p:cSld>
+  <p:clrMapOvr>
+    <a:masterClrMapping/>
+  </p:clrMapOvr>
+</p:notes>
+</file>
+
+<file path=ppt/notesSlides/notesSlide3.xml><?xml version="1.0" encoding="utf-8"?>
+<p:notes xmlns:a="http://schemas.openxmlformats.org/drawingml/2006/main" xmlns:r="http://schemas.openxmlformats.org/officeDocument/2006/relationships" xmlns:p="http://schemas.openxmlformats.org/presentationml/2006/main">
+  <p:cSld>
+    <p:spTree>
+      <p:nvGrpSpPr>
+        <p:cNvPr id="1" name=""/>
+        <p:cNvGrpSpPr/>
+        <p:nvPr/>
+      </p:nvGrpSpPr>
+      <p:grpSpPr>
+        <a:xfrm>
+          <a:off x="0" y="0"/>
+          <a:ext cx="0" cy="0"/>
+          <a:chOff x="0" y="0"/>
+          <a:chExt cx="0" cy="0"/>
+        </a:xfrm>
+      </p:grpSpPr>
+      <p:sp>
+        <p:nvSpPr>
+          <p:cNvPr id="2" name="Slide Image Placeholder 1"/>
+          <p:cNvSpPr>
+            <a:spLocks noGrp="1" noRot="1" noChangeAspect="1"/>
+          </p:cNvSpPr>
+          <p:nvPr>
+            <p:ph type="sldImg"/>
+          </p:nvPr>
+        </p:nvSpPr>
+        <p:spPr/>
+      </p:sp>
+      <p:sp>
+        <p:nvSpPr>
+          <p:cNvPr id="3" name="Notes Placeholder 2"/>
+          <p:cNvSpPr>
+            <a:spLocks noGrp="1"/>
+          </p:cNvSpPr>
+          <p:nvPr>
+            <p:ph type="body" idx="1"/>
+          </p:nvPr>
+        </p:nvSpPr>
+        <p:spPr/>
+        <p:txBody>
+          <a:bodyPr/>
+          <a:lstStyle/>
+          <a:p>
+            <a:r>
+              <a:rPr lang="en-US" dirty="0"/>
+              <a:t>Shaivi</a:t>
+            </a:r>
+          </a:p>
+        </p:txBody>
+      </p:sp>
+      <p:sp>
+        <p:nvSpPr>
+          <p:cNvPr id="4" name="Slide Number Placeholder 3"/>
+          <p:cNvSpPr>
+            <a:spLocks noGrp="1"/>
+          </p:cNvSpPr>
+          <p:nvPr>
+            <p:ph type="sldNum" sz="quarter" idx="5"/>
+          </p:nvPr>
+        </p:nvSpPr>
+        <p:spPr/>
+        <p:txBody>
+          <a:bodyPr/>
+          <a:lstStyle/>
+          <a:p>
+            <a:fld id="{2F4228F8-FB73-46B0-A250-E6C5C0B176A9}" type="slidenum">
+              <a:rPr lang="en-US" smtClean="0"/>
+              <a:t>3</a:t>
+            </a:fld>
+            <a:endParaRPr lang="en-US"/>
+          </a:p>
+        </p:txBody>
+      </p:sp>
+    </p:spTree>
+    <p:extLst>
+      <p:ext uri="{BB962C8B-B14F-4D97-AF65-F5344CB8AC3E}">
+        <p14:creationId xmlns:p14="http://schemas.microsoft.com/office/powerpoint/2010/main" val="1390192647"/>
+      </p:ext>
+    </p:extLst>
+  </p:cSld>
+  <p:clrMapOvr>
+    <a:masterClrMapping/>
+  </p:clrMapOvr>
+</p:notes>
+</file>
+
+<file path=ppt/notesSlides/notesSlide4.xml><?xml version="1.0" encoding="utf-8"?>
+<p:notes xmlns:a="http://schemas.openxmlformats.org/drawingml/2006/main" xmlns:r="http://schemas.openxmlformats.org/officeDocument/2006/relationships" xmlns:p="http://schemas.openxmlformats.org/presentationml/2006/main">
+  <p:cSld>
+    <p:spTree>
+      <p:nvGrpSpPr>
+        <p:cNvPr id="1" name=""/>
+        <p:cNvGrpSpPr/>
+        <p:nvPr/>
+      </p:nvGrpSpPr>
+      <p:grpSpPr>
+        <a:xfrm>
+          <a:off x="0" y="0"/>
+          <a:ext cx="0" cy="0"/>
+          <a:chOff x="0" y="0"/>
+          <a:chExt cx="0" cy="0"/>
+        </a:xfrm>
+      </p:grpSpPr>
+      <p:sp>
+        <p:nvSpPr>
+          <p:cNvPr id="2" name="Slide Image Placeholder 1"/>
+          <p:cNvSpPr>
+            <a:spLocks noGrp="1" noRot="1" noChangeAspect="1"/>
+          </p:cNvSpPr>
+          <p:nvPr>
+            <p:ph type="sldImg"/>
+          </p:nvPr>
+        </p:nvSpPr>
+        <p:spPr/>
+      </p:sp>
+      <p:sp>
+        <p:nvSpPr>
+          <p:cNvPr id="3" name="Notes Placeholder 2"/>
+          <p:cNvSpPr>
+            <a:spLocks noGrp="1"/>
+          </p:cNvSpPr>
+          <p:nvPr>
+            <p:ph type="body" idx="1"/>
+          </p:nvPr>
+        </p:nvSpPr>
+        <p:spPr/>
+        <p:txBody>
+          <a:bodyPr/>
+          <a:lstStyle/>
+          <a:p>
+            <a:r>
+              <a:rPr lang="en-US" dirty="0"/>
+              <a:t>Shaivi</a:t>
+            </a:r>
+          </a:p>
+        </p:txBody>
+      </p:sp>
+      <p:sp>
+        <p:nvSpPr>
+          <p:cNvPr id="4" name="Slide Number Placeholder 3"/>
+          <p:cNvSpPr>
+            <a:spLocks noGrp="1"/>
+          </p:cNvSpPr>
+          <p:nvPr>
+            <p:ph type="sldNum" sz="quarter" idx="5"/>
+          </p:nvPr>
+        </p:nvSpPr>
+        <p:spPr/>
+        <p:txBody>
+          <a:bodyPr/>
+          <a:lstStyle/>
+          <a:p>
+            <a:fld id="{2F4228F8-FB73-46B0-A250-E6C5C0B176A9}" type="slidenum">
+              <a:rPr lang="en-US" smtClean="0"/>
+              <a:t>4</a:t>
+            </a:fld>
+            <a:endParaRPr lang="en-US"/>
+          </a:p>
+        </p:txBody>
+      </p:sp>
+    </p:spTree>
+    <p:extLst>
+      <p:ext uri="{BB962C8B-B14F-4D97-AF65-F5344CB8AC3E}">
+        <p14:creationId xmlns:p14="http://schemas.microsoft.com/office/powerpoint/2010/main" val="169766672"/>
+      </p:ext>
+    </p:extLst>
+  </p:cSld>
+  <p:clrMapOvr>
+    <a:masterClrMapping/>
+  </p:clrMapOvr>
+</p:notes>
+</file>
+
+<file path=ppt/notesSlides/notesSlide5.xml><?xml version="1.0" encoding="utf-8"?>
+<p:notes xmlns:a="http://schemas.openxmlformats.org/drawingml/2006/main" xmlns:r="http://schemas.openxmlformats.org/officeDocument/2006/relationships" xmlns:p="http://schemas.openxmlformats.org/presentationml/2006/main">
+  <p:cSld>
+    <p:spTree>
+      <p:nvGrpSpPr>
+        <p:cNvPr id="1" name=""/>
+        <p:cNvGrpSpPr/>
+        <p:nvPr/>
+      </p:nvGrpSpPr>
+      <p:grpSpPr>
+        <a:xfrm>
+          <a:off x="0" y="0"/>
+          <a:ext cx="0" cy="0"/>
+          <a:chOff x="0" y="0"/>
+          <a:chExt cx="0" cy="0"/>
+        </a:xfrm>
+      </p:grpSpPr>
+      <p:sp>
+        <p:nvSpPr>
+          <p:cNvPr id="2" name="Slide Image Placeholder 1"/>
+          <p:cNvSpPr>
+            <a:spLocks noGrp="1" noRot="1" noChangeAspect="1"/>
+          </p:cNvSpPr>
+          <p:nvPr>
+            <p:ph type="sldImg"/>
+          </p:nvPr>
+        </p:nvSpPr>
+        <p:spPr/>
+      </p:sp>
+      <p:sp>
+        <p:nvSpPr>
+          <p:cNvPr id="3" name="Notes Placeholder 2"/>
+          <p:cNvSpPr>
+            <a:spLocks noGrp="1"/>
+          </p:cNvSpPr>
+          <p:nvPr>
+            <p:ph type="body" idx="1"/>
+          </p:nvPr>
+        </p:nvSpPr>
+        <p:spPr/>
+        <p:txBody>
+          <a:bodyPr/>
+          <a:lstStyle/>
+          <a:p>
+            <a:r>
+              <a:rPr lang="en-US" dirty="0"/>
+              <a:t>Zoey</a:t>
+            </a:r>
+          </a:p>
+        </p:txBody>
+      </p:sp>
+      <p:sp>
+        <p:nvSpPr>
+          <p:cNvPr id="4" name="Slide Number Placeholder 3"/>
+          <p:cNvSpPr>
+            <a:spLocks noGrp="1"/>
+          </p:cNvSpPr>
+          <p:nvPr>
+            <p:ph type="sldNum" sz="quarter" idx="5"/>
+          </p:nvPr>
+        </p:nvSpPr>
+        <p:spPr/>
+        <p:txBody>
+          <a:bodyPr/>
+          <a:lstStyle/>
+          <a:p>
+            <a:fld id="{2F4228F8-FB73-46B0-A250-E6C5C0B176A9}" type="slidenum">
+              <a:rPr lang="en-US" smtClean="0"/>
+              <a:t>5</a:t>
+            </a:fld>
+            <a:endParaRPr lang="en-US"/>
+          </a:p>
+        </p:txBody>
+      </p:sp>
+    </p:spTree>
+    <p:extLst>
+      <p:ext uri="{BB962C8B-B14F-4D97-AF65-F5344CB8AC3E}">
+        <p14:creationId xmlns:p14="http://schemas.microsoft.com/office/powerpoint/2010/main" val="593771289"/>
+      </p:ext>
+    </p:extLst>
+  </p:cSld>
+  <p:clrMapOvr>
+    <a:masterClrMapping/>
+  </p:clrMapOvr>
+</p:notes>
+</file>
+
+<file path=ppt/notesSlides/notesSlide6.xml><?xml version="1.0" encoding="utf-8"?>
+<p:notes xmlns:a="http://schemas.openxmlformats.org/drawingml/2006/main" xmlns:r="http://schemas.openxmlformats.org/officeDocument/2006/relationships" xmlns:p="http://schemas.openxmlformats.org/presentationml/2006/main">
+  <p:cSld>
+    <p:spTree>
+      <p:nvGrpSpPr>
+        <p:cNvPr id="1" name=""/>
+        <p:cNvGrpSpPr/>
+        <p:nvPr/>
+      </p:nvGrpSpPr>
+      <p:grpSpPr>
+        <a:xfrm>
+          <a:off x="0" y="0"/>
+          <a:ext cx="0" cy="0"/>
+          <a:chOff x="0" y="0"/>
+          <a:chExt cx="0" cy="0"/>
+        </a:xfrm>
+      </p:grpSpPr>
+      <p:sp>
+        <p:nvSpPr>
+          <p:cNvPr id="2" name="Slide Image Placeholder 1"/>
+          <p:cNvSpPr>
+            <a:spLocks noGrp="1" noRot="1" noChangeAspect="1"/>
+          </p:cNvSpPr>
+          <p:nvPr>
+            <p:ph type="sldImg"/>
+          </p:nvPr>
+        </p:nvSpPr>
+        <p:spPr/>
+      </p:sp>
+      <p:sp>
+        <p:nvSpPr>
+          <p:cNvPr id="3" name="Notes Placeholder 2"/>
+          <p:cNvSpPr>
+            <a:spLocks noGrp="1"/>
+          </p:cNvSpPr>
+          <p:nvPr>
+            <p:ph type="body" idx="1"/>
+          </p:nvPr>
+        </p:nvSpPr>
+        <p:spPr/>
+        <p:txBody>
+          <a:bodyPr/>
+          <a:lstStyle/>
+          <a:p>
+            <a:r>
+              <a:rPr lang="en-US" dirty="0"/>
+              <a:t>Zoey</a:t>
+            </a:r>
+          </a:p>
+        </p:txBody>
+      </p:sp>
+      <p:sp>
+        <p:nvSpPr>
+          <p:cNvPr id="4" name="Slide Number Placeholder 3"/>
+          <p:cNvSpPr>
+            <a:spLocks noGrp="1"/>
+          </p:cNvSpPr>
+          <p:nvPr>
+            <p:ph type="sldNum" sz="quarter" idx="5"/>
+          </p:nvPr>
+        </p:nvSpPr>
+        <p:spPr/>
+        <p:txBody>
+          <a:bodyPr/>
+          <a:lstStyle/>
+          <a:p>
+            <a:fld id="{2F4228F8-FB73-46B0-A250-E6C5C0B176A9}" type="slidenum">
+              <a:rPr lang="en-US" smtClean="0"/>
+              <a:t>6</a:t>
+            </a:fld>
+            <a:endParaRPr lang="en-US"/>
+          </a:p>
+        </p:txBody>
+      </p:sp>
+    </p:spTree>
+    <p:extLst>
+      <p:ext uri="{BB962C8B-B14F-4D97-AF65-F5344CB8AC3E}">
+        <p14:creationId xmlns:p14="http://schemas.microsoft.com/office/powerpoint/2010/main" val="3466795599"/>
+      </p:ext>
+    </p:extLst>
+  </p:cSld>
+  <p:clrMapOvr>
+    <a:masterClrMapping/>
+  </p:clrMapOvr>
+</p:notes>
+</file>
+
+<file path=ppt/notesSlides/notesSlide7.xml><?xml version="1.0" encoding="utf-8"?>
+<p:notes xmlns:a="http://schemas.openxmlformats.org/drawingml/2006/main" xmlns:r="http://schemas.openxmlformats.org/officeDocument/2006/relationships" xmlns:p="http://schemas.openxmlformats.org/presentationml/2006/main">
+  <p:cSld>
+    <p:spTree>
+      <p:nvGrpSpPr>
+        <p:cNvPr id="1" name=""/>
+        <p:cNvGrpSpPr/>
+        <p:nvPr/>
+      </p:nvGrpSpPr>
+      <p:grpSpPr>
+        <a:xfrm>
+          <a:off x="0" y="0"/>
+          <a:ext cx="0" cy="0"/>
+          <a:chOff x="0" y="0"/>
+          <a:chExt cx="0" cy="0"/>
+        </a:xfrm>
+      </p:grpSpPr>
+      <p:sp>
+        <p:nvSpPr>
+          <p:cNvPr id="2" name="Slide Image Placeholder 1"/>
+          <p:cNvSpPr>
+            <a:spLocks noGrp="1" noRot="1" noChangeAspect="1"/>
+          </p:cNvSpPr>
+          <p:nvPr>
+            <p:ph type="sldImg"/>
+          </p:nvPr>
+        </p:nvSpPr>
+        <p:spPr/>
+      </p:sp>
+      <p:sp>
+        <p:nvSpPr>
+          <p:cNvPr id="3" name="Notes Placeholder 2"/>
+          <p:cNvSpPr>
+            <a:spLocks noGrp="1"/>
+          </p:cNvSpPr>
+          <p:nvPr>
+            <p:ph type="body" idx="1"/>
+          </p:nvPr>
+        </p:nvSpPr>
+        <p:spPr/>
+        <p:txBody>
+          <a:bodyPr/>
+          <a:lstStyle/>
+          <a:p>
+            <a:r>
+              <a:rPr lang="en-US" dirty="0"/>
+              <a:t>Saanvi</a:t>
+            </a:r>
+          </a:p>
+        </p:txBody>
+      </p:sp>
+      <p:sp>
+        <p:nvSpPr>
+          <p:cNvPr id="4" name="Slide Number Placeholder 3"/>
+          <p:cNvSpPr>
+            <a:spLocks noGrp="1"/>
+          </p:cNvSpPr>
+          <p:nvPr>
+            <p:ph type="sldNum" sz="quarter" idx="5"/>
+          </p:nvPr>
+        </p:nvSpPr>
+        <p:spPr/>
+        <p:txBody>
+          <a:bodyPr/>
+          <a:lstStyle/>
+          <a:p>
+            <a:fld id="{2F4228F8-FB73-46B0-A250-E6C5C0B176A9}" type="slidenum">
+              <a:rPr lang="en-US" smtClean="0"/>
+              <a:t>7</a:t>
+            </a:fld>
+            <a:endParaRPr lang="en-US"/>
+          </a:p>
+        </p:txBody>
+      </p:sp>
+    </p:spTree>
+    <p:extLst>
+      <p:ext uri="{BB962C8B-B14F-4D97-AF65-F5344CB8AC3E}">
+        <p14:creationId xmlns:p14="http://schemas.microsoft.com/office/powerpoint/2010/main" val="3142573184"/>
+      </p:ext>
+    </p:extLst>
+  </p:cSld>
+  <p:clrMapOvr>
+    <a:masterClrMapping/>
+  </p:clrMapOvr>
+</p:notes>
+</file>
+
+<file path=ppt/notesSlides/notesSlide8.xml><?xml version="1.0" encoding="utf-8"?>
+<p:notes xmlns:a="http://schemas.openxmlformats.org/drawingml/2006/main" xmlns:r="http://schemas.openxmlformats.org/officeDocument/2006/relationships" xmlns:p="http://schemas.openxmlformats.org/presentationml/2006/main">
+  <p:cSld>
+    <p:spTree>
+      <p:nvGrpSpPr>
+        <p:cNvPr id="1" name=""/>
+        <p:cNvGrpSpPr/>
+        <p:nvPr/>
+      </p:nvGrpSpPr>
+      <p:grpSpPr>
+        <a:xfrm>
+          <a:off x="0" y="0"/>
+          <a:ext cx="0" cy="0"/>
+          <a:chOff x="0" y="0"/>
+          <a:chExt cx="0" cy="0"/>
+        </a:xfrm>
+      </p:grpSpPr>
+      <p:sp>
+        <p:nvSpPr>
+          <p:cNvPr id="2" name="Slide Image Placeholder 1"/>
+          <p:cNvSpPr>
+            <a:spLocks noGrp="1" noRot="1" noChangeAspect="1"/>
+          </p:cNvSpPr>
+          <p:nvPr>
+            <p:ph type="sldImg"/>
+          </p:nvPr>
+        </p:nvSpPr>
+        <p:spPr/>
+      </p:sp>
+      <p:sp>
+        <p:nvSpPr>
+          <p:cNvPr id="3" name="Notes Placeholder 2"/>
+          <p:cNvSpPr>
+            <a:spLocks noGrp="1"/>
+          </p:cNvSpPr>
+          <p:nvPr>
+            <p:ph type="body" idx="1"/>
+          </p:nvPr>
+        </p:nvSpPr>
+        <p:spPr/>
+        <p:txBody>
+          <a:bodyPr/>
+          <a:lstStyle/>
+          <a:p>
+            <a:r>
+              <a:rPr lang="en-US" dirty="0"/>
+              <a:t>Saanvi</a:t>
+            </a:r>
+          </a:p>
+        </p:txBody>
+      </p:sp>
+      <p:sp>
+        <p:nvSpPr>
+          <p:cNvPr id="4" name="Slide Number Placeholder 3"/>
+          <p:cNvSpPr>
+            <a:spLocks noGrp="1"/>
+          </p:cNvSpPr>
+          <p:nvPr>
+            <p:ph type="sldNum" sz="quarter" idx="5"/>
+          </p:nvPr>
+        </p:nvSpPr>
+        <p:spPr/>
+        <p:txBody>
+          <a:bodyPr/>
+          <a:lstStyle/>
+          <a:p>
+            <a:fld id="{2F4228F8-FB73-46B0-A250-E6C5C0B176A9}" type="slidenum">
+              <a:rPr lang="en-US" smtClean="0"/>
+              <a:t>8</a:t>
+            </a:fld>
+            <a:endParaRPr lang="en-US"/>
+          </a:p>
+        </p:txBody>
+      </p:sp>
+    </p:spTree>
+    <p:extLst>
+      <p:ext uri="{BB962C8B-B14F-4D97-AF65-F5344CB8AC3E}">
+        <p14:creationId xmlns:p14="http://schemas.microsoft.com/office/powerpoint/2010/main" val="662226454"/>
+      </p:ext>
+    </p:extLst>
+  </p:cSld>
+  <p:clrMapOvr>
+    <a:masterClrMapping/>
+  </p:clrMapOvr>
+</p:notes>
+</file>
+
+<file path=ppt/notesSlides/notesSlide9.xml><?xml version="1.0" encoding="utf-8"?>
+<p:notes xmlns:a="http://schemas.openxmlformats.org/drawingml/2006/main" xmlns:r="http://schemas.openxmlformats.org/officeDocument/2006/relationships" xmlns:p="http://schemas.openxmlformats.org/presentationml/2006/main">
+  <p:cSld>
+    <p:spTree>
+      <p:nvGrpSpPr>
+        <p:cNvPr id="1" name=""/>
+        <p:cNvGrpSpPr/>
+        <p:nvPr/>
+      </p:nvGrpSpPr>
+      <p:grpSpPr>
+        <a:xfrm>
+          <a:off x="0" y="0"/>
+          <a:ext cx="0" cy="0"/>
+          <a:chOff x="0" y="0"/>
+          <a:chExt cx="0" cy="0"/>
+        </a:xfrm>
+      </p:grpSpPr>
+      <p:sp>
+        <p:nvSpPr>
+          <p:cNvPr id="2" name="Slide Image Placeholder 1"/>
+          <p:cNvSpPr>
+            <a:spLocks noGrp="1" noRot="1" noChangeAspect="1"/>
+          </p:cNvSpPr>
+          <p:nvPr>
+            <p:ph type="sldImg"/>
+          </p:nvPr>
+        </p:nvSpPr>
+        <p:spPr/>
+      </p:sp>
+      <p:sp>
+        <p:nvSpPr>
+          <p:cNvPr id="3" name="Notes Placeholder 2"/>
+          <p:cNvSpPr>
+            <a:spLocks noGrp="1"/>
+          </p:cNvSpPr>
+          <p:nvPr>
+            <p:ph type="body" idx="1"/>
+          </p:nvPr>
+        </p:nvSpPr>
+        <p:spPr/>
+        <p:txBody>
+          <a:bodyPr/>
+          <a:lstStyle/>
+          <a:p>
+            <a:r>
+              <a:rPr lang="en-US" dirty="0"/>
+              <a:t>Saumya</a:t>
+            </a:r>
+          </a:p>
+        </p:txBody>
+      </p:sp>
+      <p:sp>
+        <p:nvSpPr>
+          <p:cNvPr id="4" name="Slide Number Placeholder 3"/>
+          <p:cNvSpPr>
+            <a:spLocks noGrp="1"/>
+          </p:cNvSpPr>
+          <p:nvPr>
+            <p:ph type="sldNum" sz="quarter" idx="5"/>
+          </p:nvPr>
+        </p:nvSpPr>
+        <p:spPr/>
+        <p:txBody>
+          <a:bodyPr/>
+          <a:lstStyle/>
+          <a:p>
+            <a:fld id="{2F4228F8-FB73-46B0-A250-E6C5C0B176A9}" type="slidenum">
+              <a:rPr lang="en-US" smtClean="0"/>
+              <a:t>9</a:t>
+            </a:fld>
+            <a:endParaRPr lang="en-US"/>
+          </a:p>
+        </p:txBody>
+      </p:sp>
+    </p:spTree>
+    <p:extLst>
+      <p:ext uri="{BB962C8B-B14F-4D97-AF65-F5344CB8AC3E}">
+        <p14:creationId xmlns:p14="http://schemas.microsoft.com/office/powerpoint/2010/main" val="557447878"/>
+      </p:ext>
+    </p:extLst>
+  </p:cSld>
+  <p:clrMapOvr>
+    <a:masterClrMapping/>
+  </p:clrMapOvr>
+</p:notes>
 </file>
 
 <file path=ppt/slideLayouts/slideLayout1.xml><?xml version="1.0" encoding="utf-8"?>
@@ -279,7 +1856,7 @@
           <a:p>
             <a:fld id="{8214EFA7-94EC-4BC8-BC85-3E595F55699A}" type="datetimeFigureOut">
               <a:rPr lang="en-US" smtClean="0"/>
-              <a:t>10/11/2025</a:t>
+              <a:t>10/23/2025</a:t>
             </a:fld>
             <a:endParaRPr lang="en-US"/>
           </a:p>
@@ -477,7 +2054,7 @@
           <a:p>
             <a:fld id="{8214EFA7-94EC-4BC8-BC85-3E595F55699A}" type="datetimeFigureOut">
               <a:rPr lang="en-US" smtClean="0"/>
-              <a:t>10/11/2025</a:t>
+              <a:t>10/23/2025</a:t>
             </a:fld>
             <a:endParaRPr lang="en-US"/>
           </a:p>
@@ -685,7 +2262,7 @@
           <a:p>
             <a:fld id="{8214EFA7-94EC-4BC8-BC85-3E595F55699A}" type="datetimeFigureOut">
               <a:rPr lang="en-US" smtClean="0"/>
-              <a:t>10/11/2025</a:t>
+              <a:t>10/23/2025</a:t>
             </a:fld>
             <a:endParaRPr lang="en-US"/>
           </a:p>
@@ -883,7 +2460,7 @@
           <a:p>
             <a:fld id="{8214EFA7-94EC-4BC8-BC85-3E595F55699A}" type="datetimeFigureOut">
               <a:rPr lang="en-US" smtClean="0"/>
-              <a:t>10/11/2025</a:t>
+              <a:t>10/23/2025</a:t>
             </a:fld>
             <a:endParaRPr lang="en-US"/>
           </a:p>
@@ -1158,7 +2735,7 @@
           <a:p>
             <a:fld id="{8214EFA7-94EC-4BC8-BC85-3E595F55699A}" type="datetimeFigureOut">
               <a:rPr lang="en-US" smtClean="0"/>
-              <a:t>10/11/2025</a:t>
+              <a:t>10/23/2025</a:t>
             </a:fld>
             <a:endParaRPr lang="en-US"/>
           </a:p>
@@ -1423,7 +3000,7 @@
           <a:p>
             <a:fld id="{8214EFA7-94EC-4BC8-BC85-3E595F55699A}" type="datetimeFigureOut">
               <a:rPr lang="en-US" smtClean="0"/>
-              <a:t>10/11/2025</a:t>
+              <a:t>10/23/2025</a:t>
             </a:fld>
             <a:endParaRPr lang="en-US"/>
           </a:p>
@@ -1835,7 +3412,7 @@
           <a:p>
             <a:fld id="{8214EFA7-94EC-4BC8-BC85-3E595F55699A}" type="datetimeFigureOut">
               <a:rPr lang="en-US" smtClean="0"/>
-              <a:t>10/11/2025</a:t>
+              <a:t>10/23/2025</a:t>
             </a:fld>
             <a:endParaRPr lang="en-US"/>
           </a:p>
@@ -1976,7 +3553,7 @@
           <a:p>
             <a:fld id="{8214EFA7-94EC-4BC8-BC85-3E595F55699A}" type="datetimeFigureOut">
               <a:rPr lang="en-US" smtClean="0"/>
-              <a:t>10/11/2025</a:t>
+              <a:t>10/23/2025</a:t>
             </a:fld>
             <a:endParaRPr lang="en-US"/>
           </a:p>
@@ -2089,7 +3666,7 @@
           <a:p>
             <a:fld id="{8214EFA7-94EC-4BC8-BC85-3E595F55699A}" type="datetimeFigureOut">
               <a:rPr lang="en-US" smtClean="0"/>
-              <a:t>10/11/2025</a:t>
+              <a:t>10/23/2025</a:t>
             </a:fld>
             <a:endParaRPr lang="en-US"/>
           </a:p>
@@ -2400,7 +3977,7 @@
           <a:p>
             <a:fld id="{8214EFA7-94EC-4BC8-BC85-3E595F55699A}" type="datetimeFigureOut">
               <a:rPr lang="en-US" smtClean="0"/>
-              <a:t>10/11/2025</a:t>
+              <a:t>10/23/2025</a:t>
             </a:fld>
             <a:endParaRPr lang="en-US"/>
           </a:p>
@@ -2688,7 +4265,7 @@
           <a:p>
             <a:fld id="{8214EFA7-94EC-4BC8-BC85-3E595F55699A}" type="datetimeFigureOut">
               <a:rPr lang="en-US" smtClean="0"/>
-              <a:t>10/11/2025</a:t>
+              <a:t>10/23/2025</a:t>
             </a:fld>
             <a:endParaRPr lang="en-US"/>
           </a:p>
@@ -2929,7 +4506,7 @@
           <a:p>
             <a:fld id="{8214EFA7-94EC-4BC8-BC85-3E595F55699A}" type="datetimeFigureOut">
               <a:rPr lang="en-US" smtClean="0"/>
-              <a:t>10/11/2025</a:t>
+              <a:t>10/23/2025</a:t>
             </a:fld>
             <a:endParaRPr lang="en-US"/>
           </a:p>
@@ -3362,14 +4939,26 @@
             <p:ph type="ctrTitle"/>
           </p:nvPr>
         </p:nvSpPr>
-        <p:spPr/>
+        <p:spPr>
+          <a:xfrm>
+            <a:off x="1524000" y="1122363"/>
+            <a:ext cx="9144000" cy="2001838"/>
+          </a:xfrm>
+        </p:spPr>
         <p:txBody>
           <a:bodyPr/>
           <a:lstStyle/>
           <a:p>
             <a:r>
               <a:rPr lang="en-US" dirty="0"/>
-              <a:t>Unearthed Innovation Project</a:t>
+              <a:t>Unearthed </a:t>
+            </a:r>
+            <a:br>
+              <a:rPr lang="en-US" dirty="0"/>
+            </a:br>
+            <a:r>
+              <a:rPr lang="en-US" dirty="0"/>
+              <a:t>Innovation Project</a:t>
             </a:r>
           </a:p>
         </p:txBody>
@@ -3390,15 +4979,20 @@
             <p:ph type="subTitle" idx="1"/>
           </p:nvPr>
         </p:nvSpPr>
-        <p:spPr/>
+        <p:spPr>
+          <a:xfrm>
+            <a:off x="1524000" y="3429000"/>
+            <a:ext cx="9144000" cy="1828800"/>
+          </a:xfrm>
+        </p:spPr>
         <p:txBody>
           <a:bodyPr>
-            <a:normAutofit lnSpcReduction="10000"/>
+            <a:normAutofit fontScale="92500" lnSpcReduction="10000"/>
           </a:bodyPr>
           <a:lstStyle/>
           <a:p>
             <a:r>
-              <a:rPr lang="en-US" b="1" dirty="0">
+              <a:rPr lang="en-US" sz="4300" b="1" dirty="0">
                 <a:effectLst>
                   <a:outerShdw blurRad="38100" dist="38100" dir="2700000" algn="tl">
                     <a:srgbClr val="000000">
@@ -3415,7 +5009,7 @@
           </a:p>
           <a:p>
             <a:r>
-              <a:rPr lang="en-US" dirty="0"/>
+              <a:rPr lang="en-US" b="1" dirty="0"/>
               <a:t>Rising Stars</a:t>
             </a:r>
           </a:p>
@@ -3442,7 +5036,7 @@
           <p:nvPr/>
         </p:nvPicPr>
         <p:blipFill>
-          <a:blip r:embed="rId2"/>
+          <a:blip r:embed="rId3"/>
           <a:srcRect b="47337"/>
           <a:stretch>
             <a:fillRect/>
@@ -3450,7 +5044,7 @@
         </p:blipFill>
         <p:spPr>
           <a:xfrm>
-            <a:off x="8988552" y="5735637"/>
+            <a:off x="9006840" y="5735637"/>
             <a:ext cx="3028343" cy="691924"/>
           </a:xfrm>
           <a:prstGeom prst="rect">
@@ -3473,7 +5067,7 @@
           <p:nvPr/>
         </p:nvPicPr>
         <p:blipFill rotWithShape="1">
-          <a:blip r:embed="rId3">
+          <a:blip r:embed="rId4">
             <a:extLst>
               <a:ext uri="{28A0092B-C50C-407E-A947-70E740481C1C}">
                 <a14:useLocalDpi xmlns:a14="http://schemas.microsoft.com/office/drawing/2010/main" val="0"/>
@@ -3487,7 +5081,7 @@
         </p:blipFill>
         <p:spPr bwMode="auto">
           <a:xfrm>
-            <a:off x="342791" y="5157215"/>
+            <a:off x="306215" y="5257800"/>
             <a:ext cx="1454385" cy="1389779"/>
           </a:xfrm>
           <a:prstGeom prst="rect">
@@ -3505,6 +5099,42 @@
           </a:extLst>
         </p:spPr>
       </p:pic>
+      <p:sp>
+        <p:nvSpPr>
+          <p:cNvPr id="8" name="TextBox 7">
+            <a:extLst>
+              <a:ext uri="{FF2B5EF4-FFF2-40B4-BE49-F238E27FC236}">
+                <a16:creationId xmlns:a16="http://schemas.microsoft.com/office/drawing/2014/main" id="{AB225521-AC09-450D-5057-2EB57E543A82}"/>
+              </a:ext>
+            </a:extLst>
+          </p:cNvPr>
+          <p:cNvSpPr txBox="1"/>
+          <p:nvPr/>
+        </p:nvSpPr>
+        <p:spPr>
+          <a:xfrm>
+            <a:off x="11512297" y="9525"/>
+            <a:ext cx="665762" cy="307777"/>
+          </a:xfrm>
+          <a:prstGeom prst="rect">
+            <a:avLst/>
+          </a:prstGeom>
+          <a:noFill/>
+        </p:spPr>
+        <p:txBody>
+          <a:bodyPr wrap="square" rtlCol="0">
+            <a:spAutoFit/>
+          </a:bodyPr>
+          <a:lstStyle/>
+          <a:p>
+            <a:pPr algn="r"/>
+            <a:r>
+              <a:rPr lang="en-US" sz="1400" dirty="0"/>
+              <a:t>Riona</a:t>
+            </a:r>
+          </a:p>
+        </p:txBody>
+      </p:sp>
     </p:spTree>
     <p:extLst>
       <p:ext uri="{BB962C8B-B14F-4D97-AF65-F5344CB8AC3E}">
@@ -3523,7 +5153,13 @@
   <p:cSld>
     <p:spTree>
       <p:nvGrpSpPr>
-        <p:cNvPr id="1" name=""/>
+        <p:cNvPr id="1" name="">
+          <a:extLst>
+            <a:ext uri="{FF2B5EF4-FFF2-40B4-BE49-F238E27FC236}">
+              <a16:creationId xmlns:a16="http://schemas.microsoft.com/office/drawing/2014/main" id="{B7FA057A-F055-3DC1-EEED-486AAA2D6C8B}"/>
+            </a:ext>
+          </a:extLst>
+        </p:cNvPr>
         <p:cNvGrpSpPr/>
         <p:nvPr/>
       </p:nvGrpSpPr>
@@ -3540,7 +5176,7 @@
           <p:cNvPr id="2" name="Title 1">
             <a:extLst>
               <a:ext uri="{FF2B5EF4-FFF2-40B4-BE49-F238E27FC236}">
-                <a16:creationId xmlns:a16="http://schemas.microsoft.com/office/drawing/2014/main" id="{3B8575A7-E03E-FF8C-8A33-2475C3689AE0}"/>
+                <a16:creationId xmlns:a16="http://schemas.microsoft.com/office/drawing/2014/main" id="{85F3E989-0B98-33C6-899F-C7AD207D2F40}"/>
               </a:ext>
             </a:extLst>
           </p:cNvPr>
@@ -3553,50 +5189,67 @@
         </p:nvSpPr>
         <p:spPr/>
         <p:txBody>
+          <a:bodyPr>
+            <a:normAutofit/>
+          </a:bodyPr>
+          <a:lstStyle/>
+          <a:p>
+            <a:r>
+              <a:rPr lang="en-US" b="1" dirty="0"/>
+              <a:t>Create</a:t>
+            </a:r>
+            <a:r>
+              <a:rPr lang="en-US" dirty="0"/>
+              <a:t>/ Greece Civilization</a:t>
+            </a:r>
+          </a:p>
+        </p:txBody>
+      </p:sp>
+      <p:sp>
+        <p:nvSpPr>
+          <p:cNvPr id="3" name="Content Placeholder 2">
+            <a:extLst>
+              <a:ext uri="{FF2B5EF4-FFF2-40B4-BE49-F238E27FC236}">
+                <a16:creationId xmlns:a16="http://schemas.microsoft.com/office/drawing/2014/main" id="{A8361126-4FB4-FDDF-6353-D6FC8245D0E1}"/>
+              </a:ext>
+            </a:extLst>
+          </p:cNvPr>
+          <p:cNvSpPr>
+            <a:spLocks noGrp="1"/>
+          </p:cNvSpPr>
+          <p:nvPr>
+            <p:ph idx="1"/>
+          </p:nvPr>
+        </p:nvSpPr>
+        <p:spPr/>
+        <p:txBody>
           <a:bodyPr/>
           <a:lstStyle/>
           <a:p>
             <a:r>
               <a:rPr lang="en-US" dirty="0"/>
-              <a:t>Create/AI Model</a:t>
-            </a:r>
-          </a:p>
-        </p:txBody>
-      </p:sp>
-      <p:sp>
-        <p:nvSpPr>
-          <p:cNvPr id="3" name="Content Placeholder 2">
-            <a:extLst>
-              <a:ext uri="{FF2B5EF4-FFF2-40B4-BE49-F238E27FC236}">
-                <a16:creationId xmlns:a16="http://schemas.microsoft.com/office/drawing/2014/main" id="{34052893-6BD8-DC5B-C5AC-FC0AC9C992EA}"/>
-              </a:ext>
-            </a:extLst>
-          </p:cNvPr>
-          <p:cNvSpPr>
-            <a:spLocks noGrp="1"/>
-          </p:cNvSpPr>
-          <p:nvPr>
-            <p:ph idx="1"/>
-          </p:nvPr>
-        </p:nvSpPr>
-        <p:spPr/>
-        <p:txBody>
-          <a:bodyPr/>
-          <a:lstStyle/>
-          <a:p>
+              <a:t>People in Greece the mucus glands of specific sea snails, primarily the spiny dye-murex (Murex </a:t>
+            </a:r>
+            <a:r>
+              <a:rPr lang="en-US" dirty="0" err="1"/>
+              <a:t>brandaris</a:t>
+            </a:r>
             <a:r>
               <a:rPr lang="en-US" dirty="0"/>
-              <a:t>Color detection</a:t>
-            </a:r>
+              <a:t>) to a purple color</a:t>
+            </a:r>
+          </a:p>
+          <a:p>
+            <a:endParaRPr lang="en-US" dirty="0"/>
           </a:p>
         </p:txBody>
       </p:sp>
       <p:pic>
         <p:nvPicPr>
-          <p:cNvPr id="4" name="Picture 3">
-            <a:extLst>
-              <a:ext uri="{FF2B5EF4-FFF2-40B4-BE49-F238E27FC236}">
-                <a16:creationId xmlns:a16="http://schemas.microsoft.com/office/drawing/2014/main" id="{C9ECD615-8D93-C488-87F0-ED3E269D42AA}"/>
+          <p:cNvPr id="5" name="Picture 4">
+            <a:extLst>
+              <a:ext uri="{FF2B5EF4-FFF2-40B4-BE49-F238E27FC236}">
+                <a16:creationId xmlns:a16="http://schemas.microsoft.com/office/drawing/2014/main" id="{7059D971-7889-FDBC-ED42-639F15550F6F}"/>
               </a:ext>
             </a:extLst>
           </p:cNvPr>
@@ -3606,7 +5259,7 @@
           <p:nvPr/>
         </p:nvPicPr>
         <p:blipFill>
-          <a:blip r:embed="rId2"/>
+          <a:blip r:embed="rId3"/>
           <a:stretch>
             <a:fillRect/>
           </a:stretch>
@@ -3623,10 +5276,10 @@
       </p:pic>
       <p:sp>
         <p:nvSpPr>
-          <p:cNvPr id="5" name="Rectangle 4">
-            <a:extLst>
-              <a:ext uri="{FF2B5EF4-FFF2-40B4-BE49-F238E27FC236}">
-                <a16:creationId xmlns:a16="http://schemas.microsoft.com/office/drawing/2014/main" id="{488B1C20-E08B-9CF1-06C9-E48A52E3BEE2}"/>
+          <p:cNvPr id="6" name="Rectangle 5">
+            <a:extLst>
+              <a:ext uri="{FF2B5EF4-FFF2-40B4-BE49-F238E27FC236}">
+                <a16:creationId xmlns:a16="http://schemas.microsoft.com/office/drawing/2014/main" id="{033BD36C-373D-51EC-E40A-A9E9CED9CF54}"/>
               </a:ext>
             </a:extLst>
           </p:cNvPr>
@@ -3673,10 +5326,98 @@
           </a:p>
         </p:txBody>
       </p:sp>
+      <p:sp>
+        <p:nvSpPr>
+          <p:cNvPr id="7" name="TextBox 6">
+            <a:extLst>
+              <a:ext uri="{FF2B5EF4-FFF2-40B4-BE49-F238E27FC236}">
+                <a16:creationId xmlns:a16="http://schemas.microsoft.com/office/drawing/2014/main" id="{45C66CB7-93C0-0C31-3171-3A5DBCBE04DB}"/>
+              </a:ext>
+            </a:extLst>
+          </p:cNvPr>
+          <p:cNvSpPr txBox="1"/>
+          <p:nvPr/>
+        </p:nvSpPr>
+        <p:spPr>
+          <a:xfrm>
+            <a:off x="9912096" y="576072"/>
+            <a:ext cx="1737360" cy="646331"/>
+          </a:xfrm>
+          <a:prstGeom prst="rect">
+            <a:avLst/>
+          </a:prstGeom>
+          <a:noFill/>
+          <a:ln w="25400">
+            <a:solidFill>
+              <a:schemeClr val="tx1"/>
+            </a:solidFill>
+          </a:ln>
+        </p:spPr>
+        <p:txBody>
+          <a:bodyPr wrap="square" rtlCol="0">
+            <a:spAutoFit/>
+          </a:bodyPr>
+          <a:lstStyle/>
+          <a:p>
+            <a:pPr algn="ctr"/>
+            <a:r>
+              <a:rPr lang="en-US" b="1" dirty="0"/>
+              <a:t>Artificial Dye</a:t>
+            </a:r>
+          </a:p>
+          <a:p>
+            <a:pPr algn="ctr"/>
+            <a:r>
+              <a:rPr lang="en-US" dirty="0">
+                <a:highlight>
+                  <a:srgbClr val="800080"/>
+                </a:highlight>
+              </a:rPr>
+              <a:t>Reed 40 + Blue 1</a:t>
+            </a:r>
+          </a:p>
+        </p:txBody>
+      </p:sp>
+      <p:sp>
+        <p:nvSpPr>
+          <p:cNvPr id="4" name="TextBox 3">
+            <a:extLst>
+              <a:ext uri="{FF2B5EF4-FFF2-40B4-BE49-F238E27FC236}">
+                <a16:creationId xmlns:a16="http://schemas.microsoft.com/office/drawing/2014/main" id="{AE0022F8-BF0C-27BD-BEC4-3DBE905BB82B}"/>
+              </a:ext>
+            </a:extLst>
+          </p:cNvPr>
+          <p:cNvSpPr txBox="1"/>
+          <p:nvPr/>
+        </p:nvSpPr>
+        <p:spPr>
+          <a:xfrm>
+            <a:off x="11353801" y="9525"/>
+            <a:ext cx="824258" cy="307777"/>
+          </a:xfrm>
+          <a:prstGeom prst="rect">
+            <a:avLst/>
+          </a:prstGeom>
+          <a:noFill/>
+        </p:spPr>
+        <p:txBody>
+          <a:bodyPr wrap="square" rtlCol="0">
+            <a:spAutoFit/>
+          </a:bodyPr>
+          <a:lstStyle/>
+          <a:p>
+            <a:pPr algn="r"/>
+            <a:r>
+              <a:rPr lang="en-US" sz="1400" dirty="0"/>
+              <a:t>Girisha</a:t>
+            </a:r>
+          </a:p>
+        </p:txBody>
+      </p:sp>
     </p:spTree>
     <p:extLst>
       <p:ext uri="{BB962C8B-B14F-4D97-AF65-F5344CB8AC3E}">
-        <p14:creationId xmlns:p14="http://schemas.microsoft.com/office/powerpoint/2010/main" val="484753558"/>
+        <p14:creationId xmlns:p14="http://schemas.microsoft.com/office/powerpoint/2010/main" val="1178750218"/>
       </p:ext>
     </p:extLst>
   </p:cSld>
@@ -3708,7 +5449,7 @@
           <p:cNvPr id="2" name="Title 1">
             <a:extLst>
               <a:ext uri="{FF2B5EF4-FFF2-40B4-BE49-F238E27FC236}">
-                <a16:creationId xmlns:a16="http://schemas.microsoft.com/office/drawing/2014/main" id="{A76A0C1C-77DA-E24A-3D8C-A4E8F896CA68}"/>
+                <a16:creationId xmlns:a16="http://schemas.microsoft.com/office/drawing/2014/main" id="{3B8575A7-E03E-FF8C-8A33-2475C3689AE0}"/>
               </a:ext>
             </a:extLst>
           </p:cNvPr>
@@ -3725,8 +5466,12 @@
           <a:lstStyle/>
           <a:p>
             <a:r>
+              <a:rPr lang="en-US" b="1" dirty="0"/>
+              <a:t>Create</a:t>
+            </a:r>
+            <a:r>
               <a:rPr lang="en-US" dirty="0"/>
-              <a:t>Iterate/ AI Model</a:t>
+              <a:t>/ AI Model</a:t>
             </a:r>
           </a:p>
         </p:txBody>
@@ -3736,7 +5481,7 @@
           <p:cNvPr id="3" name="Content Placeholder 2">
             <a:extLst>
               <a:ext uri="{FF2B5EF4-FFF2-40B4-BE49-F238E27FC236}">
-                <a16:creationId xmlns:a16="http://schemas.microsoft.com/office/drawing/2014/main" id="{C9DBE903-E5C2-DDC3-4EA0-A2903376230C}"/>
+                <a16:creationId xmlns:a16="http://schemas.microsoft.com/office/drawing/2014/main" id="{34052893-6BD8-DC5B-C5AC-FC0AC9C992EA}"/>
               </a:ext>
             </a:extLst>
           </p:cNvPr>
@@ -3754,17 +5499,8 @@
           <a:p>
             <a:r>
               <a:rPr lang="en-US" dirty="0"/>
-              <a:t>Trained the model</a:t>
-            </a:r>
-          </a:p>
-          <a:p>
-            <a:r>
-              <a:rPr lang="en-US" dirty="0"/>
-              <a:t>Adjusted the model as we went on</a:t>
-            </a:r>
-          </a:p>
-          <a:p>
-            <a:endParaRPr lang="en-US" dirty="0"/>
+              <a:t>Color detection</a:t>
+            </a:r>
           </a:p>
         </p:txBody>
       </p:sp>
@@ -3773,7 +5509,7 @@
           <p:cNvPr id="4" name="Picture 3">
             <a:extLst>
               <a:ext uri="{FF2B5EF4-FFF2-40B4-BE49-F238E27FC236}">
-                <a16:creationId xmlns:a16="http://schemas.microsoft.com/office/drawing/2014/main" id="{01955568-F3AE-CF97-D3B1-23437155C047}"/>
+                <a16:creationId xmlns:a16="http://schemas.microsoft.com/office/drawing/2014/main" id="{C9ECD615-8D93-C488-87F0-ED3E269D42AA}"/>
               </a:ext>
             </a:extLst>
           </p:cNvPr>
@@ -3783,7 +5519,831 @@
           <p:nvPr/>
         </p:nvPicPr>
         <p:blipFill>
-          <a:blip r:embed="rId2"/>
+          <a:blip r:embed="rId3"/>
+          <a:stretch>
+            <a:fillRect/>
+          </a:stretch>
+        </p:blipFill>
+        <p:spPr>
+          <a:xfrm>
+            <a:off x="9773642" y="4704947"/>
+            <a:ext cx="2418358" cy="2153053"/>
+          </a:xfrm>
+          <a:prstGeom prst="rect">
+            <a:avLst/>
+          </a:prstGeom>
+        </p:spPr>
+      </p:pic>
+      <p:sp>
+        <p:nvSpPr>
+          <p:cNvPr id="5" name="Rectangle 4">
+            <a:extLst>
+              <a:ext uri="{FF2B5EF4-FFF2-40B4-BE49-F238E27FC236}">
+                <a16:creationId xmlns:a16="http://schemas.microsoft.com/office/drawing/2014/main" id="{488B1C20-E08B-9CF1-06C9-E48A52E3BEE2}"/>
+              </a:ext>
+            </a:extLst>
+          </p:cNvPr>
+          <p:cNvSpPr/>
+          <p:nvPr/>
+        </p:nvSpPr>
+        <p:spPr>
+          <a:xfrm rot="14650361">
+            <a:off x="11196297" y="5921833"/>
+            <a:ext cx="493776" cy="994581"/>
+          </a:xfrm>
+          <a:prstGeom prst="rect">
+            <a:avLst/>
+          </a:prstGeom>
+          <a:noFill/>
+          <a:ln w="31750">
+            <a:solidFill>
+              <a:srgbClr val="C00000"/>
+            </a:solidFill>
+          </a:ln>
+        </p:spPr>
+        <p:style>
+          <a:lnRef idx="2">
+            <a:schemeClr val="accent1">
+              <a:shade val="15000"/>
+            </a:schemeClr>
+          </a:lnRef>
+          <a:fillRef idx="1">
+            <a:schemeClr val="accent1"/>
+          </a:fillRef>
+          <a:effectRef idx="0">
+            <a:schemeClr val="accent1"/>
+          </a:effectRef>
+          <a:fontRef idx="minor">
+            <a:schemeClr val="lt1"/>
+          </a:fontRef>
+        </p:style>
+        <p:txBody>
+          <a:bodyPr rtlCol="0" anchor="ctr"/>
+          <a:lstStyle/>
+          <a:p>
+            <a:pPr algn="ctr"/>
+            <a:endParaRPr lang="en-US"/>
+          </a:p>
+        </p:txBody>
+      </p:sp>
+      <p:sp>
+        <p:nvSpPr>
+          <p:cNvPr id="6" name="Rectangle 5">
+            <a:extLst>
+              <a:ext uri="{FF2B5EF4-FFF2-40B4-BE49-F238E27FC236}">
+                <a16:creationId xmlns:a16="http://schemas.microsoft.com/office/drawing/2014/main" id="{A7E05224-556E-621F-9FA2-DE9982B8275C}"/>
+              </a:ext>
+            </a:extLst>
+          </p:cNvPr>
+          <p:cNvSpPr/>
+          <p:nvPr/>
+        </p:nvSpPr>
+        <p:spPr>
+          <a:xfrm>
+            <a:off x="3678277" y="3097392"/>
+            <a:ext cx="1801368" cy="1115568"/>
+          </a:xfrm>
+          <a:prstGeom prst="rect">
+            <a:avLst/>
+          </a:prstGeom>
+          <a:solidFill>
+            <a:schemeClr val="accent3"/>
+          </a:solidFill>
+        </p:spPr>
+        <p:style>
+          <a:lnRef idx="2">
+            <a:schemeClr val="accent1">
+              <a:shade val="15000"/>
+            </a:schemeClr>
+          </a:lnRef>
+          <a:fillRef idx="1">
+            <a:schemeClr val="accent1"/>
+          </a:fillRef>
+          <a:effectRef idx="0">
+            <a:schemeClr val="accent1"/>
+          </a:effectRef>
+          <a:fontRef idx="minor">
+            <a:schemeClr val="lt1"/>
+          </a:fontRef>
+        </p:style>
+        <p:txBody>
+          <a:bodyPr rtlCol="0" anchor="ctr"/>
+          <a:lstStyle/>
+          <a:p>
+            <a:pPr algn="ctr"/>
+            <a:endParaRPr lang="en-US" dirty="0"/>
+          </a:p>
+        </p:txBody>
+      </p:sp>
+      <p:sp>
+        <p:nvSpPr>
+          <p:cNvPr id="7" name="Rectangle 6">
+            <a:extLst>
+              <a:ext uri="{FF2B5EF4-FFF2-40B4-BE49-F238E27FC236}">
+                <a16:creationId xmlns:a16="http://schemas.microsoft.com/office/drawing/2014/main" id="{EAFFECC4-54C4-CCE6-BD7E-6D5B02F71D25}"/>
+              </a:ext>
+            </a:extLst>
+          </p:cNvPr>
+          <p:cNvSpPr/>
+          <p:nvPr/>
+        </p:nvSpPr>
+        <p:spPr>
+          <a:xfrm>
+            <a:off x="6733897" y="4651872"/>
+            <a:ext cx="1801368" cy="1115568"/>
+          </a:xfrm>
+          <a:prstGeom prst="rect">
+            <a:avLst/>
+          </a:prstGeom>
+        </p:spPr>
+        <p:style>
+          <a:lnRef idx="2">
+            <a:schemeClr val="accent1">
+              <a:shade val="15000"/>
+            </a:schemeClr>
+          </a:lnRef>
+          <a:fillRef idx="1">
+            <a:schemeClr val="accent1"/>
+          </a:fillRef>
+          <a:effectRef idx="0">
+            <a:schemeClr val="accent1"/>
+          </a:effectRef>
+          <a:fontRef idx="minor">
+            <a:schemeClr val="lt1"/>
+          </a:fontRef>
+        </p:style>
+        <p:txBody>
+          <a:bodyPr rtlCol="0" anchor="ctr"/>
+          <a:lstStyle/>
+          <a:p>
+            <a:pPr algn="ctr"/>
+            <a:r>
+              <a:rPr lang="en-US" dirty="0"/>
+              <a:t>AI Model</a:t>
+            </a:r>
+          </a:p>
+        </p:txBody>
+      </p:sp>
+      <p:sp>
+        <p:nvSpPr>
+          <p:cNvPr id="8" name="TextBox 7">
+            <a:extLst>
+              <a:ext uri="{FF2B5EF4-FFF2-40B4-BE49-F238E27FC236}">
+                <a16:creationId xmlns:a16="http://schemas.microsoft.com/office/drawing/2014/main" id="{D2911394-8284-0C91-0C20-951539BF822D}"/>
+              </a:ext>
+            </a:extLst>
+          </p:cNvPr>
+          <p:cNvSpPr txBox="1"/>
+          <p:nvPr/>
+        </p:nvSpPr>
+        <p:spPr>
+          <a:xfrm>
+            <a:off x="6601694" y="4282540"/>
+            <a:ext cx="2946149" cy="369332"/>
+          </a:xfrm>
+          <a:prstGeom prst="rect">
+            <a:avLst/>
+          </a:prstGeom>
+          <a:noFill/>
+        </p:spPr>
+        <p:txBody>
+          <a:bodyPr wrap="square" rtlCol="0">
+            <a:spAutoFit/>
+          </a:bodyPr>
+          <a:lstStyle/>
+          <a:p>
+            <a:r>
+              <a:rPr lang="en-US" dirty="0"/>
+              <a:t>ML4K AI Model</a:t>
+            </a:r>
+          </a:p>
+        </p:txBody>
+      </p:sp>
+      <p:sp>
+        <p:nvSpPr>
+          <p:cNvPr id="9" name="TextBox 8">
+            <a:extLst>
+              <a:ext uri="{FF2B5EF4-FFF2-40B4-BE49-F238E27FC236}">
+                <a16:creationId xmlns:a16="http://schemas.microsoft.com/office/drawing/2014/main" id="{34BB68BF-FC7A-3E85-91FC-DDB116E85B48}"/>
+              </a:ext>
+            </a:extLst>
+          </p:cNvPr>
+          <p:cNvSpPr txBox="1"/>
+          <p:nvPr/>
+        </p:nvSpPr>
+        <p:spPr>
+          <a:xfrm>
+            <a:off x="3565134" y="2787496"/>
+            <a:ext cx="1969596" cy="369332"/>
+          </a:xfrm>
+          <a:prstGeom prst="rect">
+            <a:avLst/>
+          </a:prstGeom>
+          <a:noFill/>
+        </p:spPr>
+        <p:txBody>
+          <a:bodyPr wrap="square" rtlCol="0">
+            <a:spAutoFit/>
+          </a:bodyPr>
+          <a:lstStyle/>
+          <a:p>
+            <a:r>
+              <a:rPr lang="en-US" dirty="0"/>
+              <a:t>MIT App Inventor</a:t>
+            </a:r>
+          </a:p>
+        </p:txBody>
+      </p:sp>
+      <p:cxnSp>
+        <p:nvCxnSpPr>
+          <p:cNvPr id="10" name="Straight Arrow Connector 9">
+            <a:extLst>
+              <a:ext uri="{FF2B5EF4-FFF2-40B4-BE49-F238E27FC236}">
+                <a16:creationId xmlns:a16="http://schemas.microsoft.com/office/drawing/2014/main" id="{1F9AB206-212A-D075-C9BF-4F0BAA804FDE}"/>
+              </a:ext>
+            </a:extLst>
+          </p:cNvPr>
+          <p:cNvCxnSpPr>
+            <a:cxnSpLocks/>
+            <a:endCxn id="7" idx="1"/>
+          </p:cNvCxnSpPr>
+          <p:nvPr/>
+        </p:nvCxnSpPr>
+        <p:spPr>
+          <a:xfrm>
+            <a:off x="5479645" y="4179811"/>
+            <a:ext cx="1254252" cy="1029845"/>
+          </a:xfrm>
+          <a:prstGeom prst="straightConnector1">
+            <a:avLst/>
+          </a:prstGeom>
+          <a:ln w="22225">
+            <a:solidFill>
+              <a:schemeClr val="tx1"/>
+            </a:solidFill>
+            <a:headEnd w="lg" len="lg"/>
+            <a:tailEnd type="triangle" w="lg" len="lg"/>
+          </a:ln>
+        </p:spPr>
+        <p:style>
+          <a:lnRef idx="1">
+            <a:schemeClr val="accent1"/>
+          </a:lnRef>
+          <a:fillRef idx="0">
+            <a:schemeClr val="accent1"/>
+          </a:fillRef>
+          <a:effectRef idx="0">
+            <a:schemeClr val="accent1"/>
+          </a:effectRef>
+          <a:fontRef idx="minor">
+            <a:schemeClr val="tx1"/>
+          </a:fontRef>
+        </p:style>
+      </p:cxnSp>
+      <p:cxnSp>
+        <p:nvCxnSpPr>
+          <p:cNvPr id="11" name="Straight Arrow Connector 10">
+            <a:extLst>
+              <a:ext uri="{FF2B5EF4-FFF2-40B4-BE49-F238E27FC236}">
+                <a16:creationId xmlns:a16="http://schemas.microsoft.com/office/drawing/2014/main" id="{920963DD-AD07-617F-BCB6-2D806D18F6A4}"/>
+              </a:ext>
+            </a:extLst>
+          </p:cNvPr>
+          <p:cNvCxnSpPr>
+            <a:cxnSpLocks/>
+            <a:stCxn id="6" idx="3"/>
+          </p:cNvCxnSpPr>
+          <p:nvPr/>
+        </p:nvCxnSpPr>
+        <p:spPr>
+          <a:xfrm>
+            <a:off x="5479645" y="3655176"/>
+            <a:ext cx="1283136" cy="1020856"/>
+          </a:xfrm>
+          <a:prstGeom prst="straightConnector1">
+            <a:avLst/>
+          </a:prstGeom>
+          <a:ln w="22225">
+            <a:solidFill>
+              <a:schemeClr val="tx1"/>
+            </a:solidFill>
+            <a:headEnd type="stealth" w="lg" len="lg"/>
+            <a:tailEnd type="none" w="lg" len="lg"/>
+          </a:ln>
+        </p:spPr>
+        <p:style>
+          <a:lnRef idx="1">
+            <a:schemeClr val="accent1"/>
+          </a:lnRef>
+          <a:fillRef idx="0">
+            <a:schemeClr val="accent1"/>
+          </a:fillRef>
+          <a:effectRef idx="0">
+            <a:schemeClr val="accent1"/>
+          </a:effectRef>
+          <a:fontRef idx="minor">
+            <a:schemeClr val="tx1"/>
+          </a:fontRef>
+        </p:style>
+      </p:cxnSp>
+      <p:sp>
+        <p:nvSpPr>
+          <p:cNvPr id="12" name="TextBox 11">
+            <a:extLst>
+              <a:ext uri="{FF2B5EF4-FFF2-40B4-BE49-F238E27FC236}">
+                <a16:creationId xmlns:a16="http://schemas.microsoft.com/office/drawing/2014/main" id="{8B7DD31C-9083-74A4-F58B-AAAA77E2FFE0}"/>
+              </a:ext>
+            </a:extLst>
+          </p:cNvPr>
+          <p:cNvSpPr txBox="1"/>
+          <p:nvPr/>
+        </p:nvSpPr>
+        <p:spPr>
+          <a:xfrm>
+            <a:off x="2112910" y="6335697"/>
+            <a:ext cx="4008303" cy="369332"/>
+          </a:xfrm>
+          <a:prstGeom prst="rect">
+            <a:avLst/>
+          </a:prstGeom>
+          <a:noFill/>
+        </p:spPr>
+        <p:txBody>
+          <a:bodyPr wrap="square" rtlCol="0">
+            <a:spAutoFit/>
+          </a:bodyPr>
+          <a:lstStyle/>
+          <a:p>
+            <a:r>
+              <a:rPr lang="en-US" dirty="0"/>
+              <a:t>ML4K is Machine Learning for Kids</a:t>
+            </a:r>
+          </a:p>
+        </p:txBody>
+      </p:sp>
+      <p:sp>
+        <p:nvSpPr>
+          <p:cNvPr id="13" name="Rectangle 12">
+            <a:extLst>
+              <a:ext uri="{FF2B5EF4-FFF2-40B4-BE49-F238E27FC236}">
+                <a16:creationId xmlns:a16="http://schemas.microsoft.com/office/drawing/2014/main" id="{9B6F56B4-1194-D5DB-B60B-8B7D6BD1939B}"/>
+              </a:ext>
+            </a:extLst>
+          </p:cNvPr>
+          <p:cNvSpPr/>
+          <p:nvPr/>
+        </p:nvSpPr>
+        <p:spPr>
+          <a:xfrm>
+            <a:off x="2287728" y="3188578"/>
+            <a:ext cx="969484" cy="908396"/>
+          </a:xfrm>
+          <a:prstGeom prst="rect">
+            <a:avLst/>
+          </a:prstGeom>
+        </p:spPr>
+        <p:style>
+          <a:lnRef idx="2">
+            <a:schemeClr val="accent1">
+              <a:shade val="15000"/>
+            </a:schemeClr>
+          </a:lnRef>
+          <a:fillRef idx="1">
+            <a:schemeClr val="accent1"/>
+          </a:fillRef>
+          <a:effectRef idx="0">
+            <a:schemeClr val="accent1"/>
+          </a:effectRef>
+          <a:fontRef idx="minor">
+            <a:schemeClr val="lt1"/>
+          </a:fontRef>
+        </p:style>
+        <p:txBody>
+          <a:bodyPr rtlCol="0" anchor="ctr"/>
+          <a:lstStyle/>
+          <a:p>
+            <a:pPr algn="ctr"/>
+            <a:r>
+              <a:rPr lang="en-US" sz="1400" dirty="0"/>
+              <a:t>Camera</a:t>
+            </a:r>
+          </a:p>
+          <a:p>
+            <a:pPr algn="ctr"/>
+            <a:r>
+              <a:rPr lang="en-US" sz="1400" dirty="0"/>
+              <a:t>/</a:t>
+            </a:r>
+          </a:p>
+          <a:p>
+            <a:pPr algn="ctr"/>
+            <a:r>
+              <a:rPr lang="en-US" sz="1400" dirty="0"/>
+              <a:t>Sensor</a:t>
+            </a:r>
+          </a:p>
+        </p:txBody>
+      </p:sp>
+      <p:sp>
+        <p:nvSpPr>
+          <p:cNvPr id="14" name="Rectangle 13">
+            <a:extLst>
+              <a:ext uri="{FF2B5EF4-FFF2-40B4-BE49-F238E27FC236}">
+                <a16:creationId xmlns:a16="http://schemas.microsoft.com/office/drawing/2014/main" id="{93B26CA9-87B1-1403-FCD6-8586C25472CD}"/>
+              </a:ext>
+            </a:extLst>
+          </p:cNvPr>
+          <p:cNvSpPr/>
+          <p:nvPr/>
+        </p:nvSpPr>
+        <p:spPr>
+          <a:xfrm>
+            <a:off x="6733897" y="5767440"/>
+            <a:ext cx="1801368" cy="633360"/>
+          </a:xfrm>
+          <a:prstGeom prst="rect">
+            <a:avLst/>
+          </a:prstGeom>
+        </p:spPr>
+        <p:style>
+          <a:lnRef idx="2">
+            <a:schemeClr val="accent1">
+              <a:shade val="15000"/>
+            </a:schemeClr>
+          </a:lnRef>
+          <a:fillRef idx="1">
+            <a:schemeClr val="accent1"/>
+          </a:fillRef>
+          <a:effectRef idx="0">
+            <a:schemeClr val="accent1"/>
+          </a:effectRef>
+          <a:fontRef idx="minor">
+            <a:schemeClr val="lt1"/>
+          </a:fontRef>
+        </p:style>
+        <p:txBody>
+          <a:bodyPr rtlCol="0" anchor="ctr"/>
+          <a:lstStyle/>
+          <a:p>
+            <a:pPr algn="ctr"/>
+            <a:r>
+              <a:rPr lang="en-US" dirty="0"/>
+              <a:t>Training Data</a:t>
+            </a:r>
+          </a:p>
+        </p:txBody>
+      </p:sp>
+      <p:cxnSp>
+        <p:nvCxnSpPr>
+          <p:cNvPr id="15" name="Straight Arrow Connector 14">
+            <a:extLst>
+              <a:ext uri="{FF2B5EF4-FFF2-40B4-BE49-F238E27FC236}">
+                <a16:creationId xmlns:a16="http://schemas.microsoft.com/office/drawing/2014/main" id="{B828630E-F9A0-BAC8-B7D3-5D0F79385264}"/>
+              </a:ext>
+            </a:extLst>
+          </p:cNvPr>
+          <p:cNvCxnSpPr>
+            <a:stCxn id="13" idx="3"/>
+            <a:endCxn id="6" idx="1"/>
+          </p:cNvCxnSpPr>
+          <p:nvPr/>
+        </p:nvCxnSpPr>
+        <p:spPr>
+          <a:xfrm>
+            <a:off x="3257212" y="3642776"/>
+            <a:ext cx="421065" cy="12400"/>
+          </a:xfrm>
+          <a:prstGeom prst="straightConnector1">
+            <a:avLst/>
+          </a:prstGeom>
+          <a:ln w="22225">
+            <a:solidFill>
+              <a:schemeClr val="tx1"/>
+            </a:solidFill>
+            <a:headEnd w="lg" len="lg"/>
+            <a:tailEnd type="triangle" w="lg" len="lg"/>
+          </a:ln>
+        </p:spPr>
+        <p:style>
+          <a:lnRef idx="1">
+            <a:schemeClr val="accent1"/>
+          </a:lnRef>
+          <a:fillRef idx="0">
+            <a:schemeClr val="accent1"/>
+          </a:fillRef>
+          <a:effectRef idx="0">
+            <a:schemeClr val="accent1"/>
+          </a:effectRef>
+          <a:fontRef idx="minor">
+            <a:schemeClr val="tx1"/>
+          </a:fontRef>
+        </p:style>
+      </p:cxnSp>
+      <p:sp>
+        <p:nvSpPr>
+          <p:cNvPr id="16" name="TextBox 15">
+            <a:extLst>
+              <a:ext uri="{FF2B5EF4-FFF2-40B4-BE49-F238E27FC236}">
+                <a16:creationId xmlns:a16="http://schemas.microsoft.com/office/drawing/2014/main" id="{12FB96E1-9F60-F8FA-59A8-61C88AF6E0ED}"/>
+              </a:ext>
+            </a:extLst>
+          </p:cNvPr>
+          <p:cNvSpPr txBox="1"/>
+          <p:nvPr/>
+        </p:nvSpPr>
+        <p:spPr>
+          <a:xfrm>
+            <a:off x="2287246" y="4117818"/>
+            <a:ext cx="969485" cy="400110"/>
+          </a:xfrm>
+          <a:prstGeom prst="rect">
+            <a:avLst/>
+          </a:prstGeom>
+          <a:noFill/>
+        </p:spPr>
+        <p:txBody>
+          <a:bodyPr wrap="square" rtlCol="0">
+            <a:spAutoFit/>
+          </a:bodyPr>
+          <a:lstStyle/>
+          <a:p>
+            <a:r>
+              <a:rPr lang="en-US" sz="1000" dirty="0"/>
+              <a:t>Android Phone</a:t>
+            </a:r>
+          </a:p>
+          <a:p>
+            <a:r>
+              <a:rPr lang="en-US" sz="1000" dirty="0"/>
+              <a:t>Laptop Camera</a:t>
+            </a:r>
+          </a:p>
+        </p:txBody>
+      </p:sp>
+      <p:sp>
+        <p:nvSpPr>
+          <p:cNvPr id="17" name="Oval 16">
+            <a:extLst>
+              <a:ext uri="{FF2B5EF4-FFF2-40B4-BE49-F238E27FC236}">
+                <a16:creationId xmlns:a16="http://schemas.microsoft.com/office/drawing/2014/main" id="{AB1DF032-846B-92D1-05FB-B6CB85FAFBF1}"/>
+              </a:ext>
+            </a:extLst>
+          </p:cNvPr>
+          <p:cNvSpPr/>
+          <p:nvPr/>
+        </p:nvSpPr>
+        <p:spPr>
+          <a:xfrm>
+            <a:off x="701079" y="3284478"/>
+            <a:ext cx="969484" cy="650494"/>
+          </a:xfrm>
+          <a:prstGeom prst="ellipse">
+            <a:avLst/>
+          </a:prstGeom>
+          <a:solidFill>
+            <a:schemeClr val="tx1"/>
+          </a:solidFill>
+        </p:spPr>
+        <p:style>
+          <a:lnRef idx="2">
+            <a:schemeClr val="accent4">
+              <a:shade val="15000"/>
+            </a:schemeClr>
+          </a:lnRef>
+          <a:fillRef idx="1">
+            <a:schemeClr val="accent4"/>
+          </a:fillRef>
+          <a:effectRef idx="0">
+            <a:schemeClr val="accent4"/>
+          </a:effectRef>
+          <a:fontRef idx="minor">
+            <a:schemeClr val="lt1"/>
+          </a:fontRef>
+        </p:style>
+        <p:txBody>
+          <a:bodyPr rtlCol="0" anchor="ctr"/>
+          <a:lstStyle/>
+          <a:p>
+            <a:pPr algn="ctr"/>
+            <a:r>
+              <a:rPr lang="en-US" sz="1200" dirty="0"/>
+              <a:t>Sample</a:t>
+            </a:r>
+          </a:p>
+        </p:txBody>
+      </p:sp>
+      <p:cxnSp>
+        <p:nvCxnSpPr>
+          <p:cNvPr id="18" name="Straight Arrow Connector 17">
+            <a:extLst>
+              <a:ext uri="{FF2B5EF4-FFF2-40B4-BE49-F238E27FC236}">
+                <a16:creationId xmlns:a16="http://schemas.microsoft.com/office/drawing/2014/main" id="{7C0ACF8D-B085-FAE4-90A5-70EBB6329336}"/>
+              </a:ext>
+            </a:extLst>
+          </p:cNvPr>
+          <p:cNvCxnSpPr>
+            <a:cxnSpLocks/>
+            <a:stCxn id="17" idx="6"/>
+            <a:endCxn id="13" idx="1"/>
+          </p:cNvCxnSpPr>
+          <p:nvPr/>
+        </p:nvCxnSpPr>
+        <p:spPr>
+          <a:xfrm>
+            <a:off x="1670563" y="3609725"/>
+            <a:ext cx="617165" cy="33051"/>
+          </a:xfrm>
+          <a:prstGeom prst="straightConnector1">
+            <a:avLst/>
+          </a:prstGeom>
+          <a:ln w="22225">
+            <a:solidFill>
+              <a:schemeClr val="tx1"/>
+            </a:solidFill>
+            <a:headEnd w="lg" len="lg"/>
+            <a:tailEnd type="triangle" w="lg" len="lg"/>
+          </a:ln>
+        </p:spPr>
+        <p:style>
+          <a:lnRef idx="1">
+            <a:schemeClr val="accent1"/>
+          </a:lnRef>
+          <a:fillRef idx="0">
+            <a:schemeClr val="accent1"/>
+          </a:fillRef>
+          <a:effectRef idx="0">
+            <a:schemeClr val="accent1"/>
+          </a:effectRef>
+          <a:fontRef idx="minor">
+            <a:schemeClr val="tx1"/>
+          </a:fontRef>
+        </p:style>
+      </p:cxnSp>
+      <p:sp>
+        <p:nvSpPr>
+          <p:cNvPr id="19" name="TextBox 18">
+            <a:extLst>
+              <a:ext uri="{FF2B5EF4-FFF2-40B4-BE49-F238E27FC236}">
+                <a16:creationId xmlns:a16="http://schemas.microsoft.com/office/drawing/2014/main" id="{364D66DE-659D-5290-76C3-FF14F10A37E2}"/>
+              </a:ext>
+            </a:extLst>
+          </p:cNvPr>
+          <p:cNvSpPr txBox="1"/>
+          <p:nvPr/>
+        </p:nvSpPr>
+        <p:spPr>
+          <a:xfrm>
+            <a:off x="11430001" y="9525"/>
+            <a:ext cx="748058" cy="307777"/>
+          </a:xfrm>
+          <a:prstGeom prst="rect">
+            <a:avLst/>
+          </a:prstGeom>
+          <a:noFill/>
+        </p:spPr>
+        <p:txBody>
+          <a:bodyPr wrap="square" rtlCol="0">
+            <a:spAutoFit/>
+          </a:bodyPr>
+          <a:lstStyle/>
+          <a:p>
+            <a:pPr algn="r"/>
+            <a:r>
+              <a:rPr lang="en-US" sz="1400" dirty="0"/>
+              <a:t>Girisha</a:t>
+            </a:r>
+          </a:p>
+        </p:txBody>
+      </p:sp>
+    </p:spTree>
+    <p:extLst>
+      <p:ext uri="{BB962C8B-B14F-4D97-AF65-F5344CB8AC3E}">
+        <p14:creationId xmlns:p14="http://schemas.microsoft.com/office/powerpoint/2010/main" val="484753558"/>
+      </p:ext>
+    </p:extLst>
+  </p:cSld>
+  <p:clrMapOvr>
+    <a:masterClrMapping/>
+  </p:clrMapOvr>
+</p:sld>
+</file>
+
+<file path=ppt/slides/slide12.xml><?xml version="1.0" encoding="utf-8"?>
+<p:sld xmlns:a="http://schemas.openxmlformats.org/drawingml/2006/main" xmlns:r="http://schemas.openxmlformats.org/officeDocument/2006/relationships" xmlns:p="http://schemas.openxmlformats.org/presentationml/2006/main">
+  <p:cSld>
+    <p:spTree>
+      <p:nvGrpSpPr>
+        <p:cNvPr id="1" name=""/>
+        <p:cNvGrpSpPr/>
+        <p:nvPr/>
+      </p:nvGrpSpPr>
+      <p:grpSpPr>
+        <a:xfrm>
+          <a:off x="0" y="0"/>
+          <a:ext cx="0" cy="0"/>
+          <a:chOff x="0" y="0"/>
+          <a:chExt cx="0" cy="0"/>
+        </a:xfrm>
+      </p:grpSpPr>
+      <p:sp>
+        <p:nvSpPr>
+          <p:cNvPr id="2" name="Title 1">
+            <a:extLst>
+              <a:ext uri="{FF2B5EF4-FFF2-40B4-BE49-F238E27FC236}">
+                <a16:creationId xmlns:a16="http://schemas.microsoft.com/office/drawing/2014/main" id="{A76A0C1C-77DA-E24A-3D8C-A4E8F896CA68}"/>
+              </a:ext>
+            </a:extLst>
+          </p:cNvPr>
+          <p:cNvSpPr>
+            <a:spLocks noGrp="1"/>
+          </p:cNvSpPr>
+          <p:nvPr>
+            <p:ph type="title"/>
+          </p:nvPr>
+        </p:nvSpPr>
+        <p:spPr/>
+        <p:txBody>
+          <a:bodyPr/>
+          <a:lstStyle/>
+          <a:p>
+            <a:r>
+              <a:rPr lang="en-US" b="1" dirty="0"/>
+              <a:t>Iterate</a:t>
+            </a:r>
+            <a:r>
+              <a:rPr lang="en-US" dirty="0"/>
+              <a:t>/ AI Model</a:t>
+            </a:r>
+          </a:p>
+        </p:txBody>
+      </p:sp>
+      <p:sp>
+        <p:nvSpPr>
+          <p:cNvPr id="3" name="Content Placeholder 2">
+            <a:extLst>
+              <a:ext uri="{FF2B5EF4-FFF2-40B4-BE49-F238E27FC236}">
+                <a16:creationId xmlns:a16="http://schemas.microsoft.com/office/drawing/2014/main" id="{C9DBE903-E5C2-DDC3-4EA0-A2903376230C}"/>
+              </a:ext>
+            </a:extLst>
+          </p:cNvPr>
+          <p:cNvSpPr>
+            <a:spLocks noGrp="1"/>
+          </p:cNvSpPr>
+          <p:nvPr>
+            <p:ph idx="1"/>
+          </p:nvPr>
+        </p:nvSpPr>
+        <p:spPr/>
+        <p:txBody>
+          <a:bodyPr/>
+          <a:lstStyle/>
+          <a:p>
+            <a:r>
+              <a:rPr lang="en-US" dirty="0"/>
+              <a:t>Trained the model</a:t>
+            </a:r>
+          </a:p>
+          <a:p>
+            <a:pPr lvl="1"/>
+            <a:r>
+              <a:rPr lang="en-US" dirty="0"/>
+              <a:t> By giving it 10 or more samples for each color</a:t>
+            </a:r>
+          </a:p>
+          <a:p>
+            <a:r>
+              <a:rPr lang="en-US" dirty="0"/>
+              <a:t>Adjusted the model as we went on</a:t>
+            </a:r>
+          </a:p>
+          <a:p>
+            <a:pPr lvl="1"/>
+            <a:r>
+              <a:rPr lang="en-US" dirty="0"/>
+              <a:t>Reviewed the results and trained the model further</a:t>
+            </a:r>
+          </a:p>
+          <a:p>
+            <a:endParaRPr lang="en-US" dirty="0"/>
+          </a:p>
+        </p:txBody>
+      </p:sp>
+      <p:pic>
+        <p:nvPicPr>
+          <p:cNvPr id="4" name="Picture 3">
+            <a:extLst>
+              <a:ext uri="{FF2B5EF4-FFF2-40B4-BE49-F238E27FC236}">
+                <a16:creationId xmlns:a16="http://schemas.microsoft.com/office/drawing/2014/main" id="{01955568-F3AE-CF97-D3B1-23437155C047}"/>
+              </a:ext>
+            </a:extLst>
+          </p:cNvPr>
+          <p:cNvPicPr>
+            <a:picLocks noChangeAspect="1"/>
+          </p:cNvPicPr>
+          <p:nvPr/>
+        </p:nvPicPr>
+        <p:blipFill>
+          <a:blip r:embed="rId3"/>
           <a:stretch>
             <a:fillRect/>
           </a:stretch>
@@ -3850,6 +6410,56 @@
           </a:p>
         </p:txBody>
       </p:sp>
+      <p:sp>
+        <p:nvSpPr>
+          <p:cNvPr id="6" name="TextBox 5">
+            <a:extLst>
+              <a:ext uri="{FF2B5EF4-FFF2-40B4-BE49-F238E27FC236}">
+                <a16:creationId xmlns:a16="http://schemas.microsoft.com/office/drawing/2014/main" id="{B24AF995-DBA9-26D7-930E-EC6D43868E11}"/>
+              </a:ext>
+            </a:extLst>
+          </p:cNvPr>
+          <p:cNvSpPr txBox="1"/>
+          <p:nvPr/>
+        </p:nvSpPr>
+        <p:spPr>
+          <a:xfrm>
+            <a:off x="11654183" y="9525"/>
+            <a:ext cx="523875" cy="276999"/>
+          </a:xfrm>
+          <a:prstGeom prst="rect">
+            <a:avLst/>
+          </a:prstGeom>
+          <a:noFill/>
+        </p:spPr>
+        <p:txBody>
+          <a:bodyPr wrap="square" rtlCol="0">
+            <a:spAutoFit/>
+          </a:bodyPr>
+          <a:lstStyle/>
+          <a:p>
+            <a:pPr algn="r"/>
+            <a:r>
+              <a:rPr kumimoji="0" lang="en-US" sz="1200" b="0" i="0" u="none" strike="noStrike" kern="1200" cap="none" spc="0" normalizeH="0" baseline="0" noProof="0" dirty="0">
+                <a:ln>
+                  <a:noFill/>
+                </a:ln>
+                <a:solidFill>
+                  <a:prstClr val="black"/>
+                </a:solidFill>
+                <a:effectLst/>
+                <a:uLnTx/>
+                <a:uFillTx/>
+                <a:latin typeface="Calibri" panose="020F0502020204030204"/>
+                <a:ea typeface="+mn-ea"/>
+                <a:cs typeface="+mn-cs"/>
+              </a:rPr>
+              <a:t>Riya</a:t>
+            </a:r>
+            <a:endParaRPr lang="en-US" sz="1400" dirty="0"/>
+          </a:p>
+        </p:txBody>
+      </p:sp>
     </p:spTree>
     <p:extLst>
       <p:ext uri="{BB962C8B-B14F-4D97-AF65-F5344CB8AC3E}">
@@ -3863,7 +6473,7 @@
 </p:sld>
 </file>
 
-<file path=ppt/slides/slide12.xml><?xml version="1.0" encoding="utf-8"?>
+<file path=ppt/slides/slide13.xml><?xml version="1.0" encoding="utf-8"?>
 <p:sld xmlns:a="http://schemas.openxmlformats.org/drawingml/2006/main" xmlns:r="http://schemas.openxmlformats.org/officeDocument/2006/relationships" xmlns:p="http://schemas.openxmlformats.org/presentationml/2006/main">
   <p:cSld>
     <p:spTree>
@@ -3902,49 +6512,67 @@
           <a:lstStyle/>
           <a:p>
             <a:r>
+              <a:rPr lang="en-US" b="1" dirty="0"/>
+              <a:t>Communicate</a:t>
+            </a:r>
+          </a:p>
+        </p:txBody>
+      </p:sp>
+      <p:sp>
+        <p:nvSpPr>
+          <p:cNvPr id="3" name="Content Placeholder 2">
+            <a:extLst>
+              <a:ext uri="{FF2B5EF4-FFF2-40B4-BE49-F238E27FC236}">
+                <a16:creationId xmlns:a16="http://schemas.microsoft.com/office/drawing/2014/main" id="{2C0B09F1-7F89-AE78-4DC0-A332028BC202}"/>
+              </a:ext>
+            </a:extLst>
+          </p:cNvPr>
+          <p:cNvSpPr>
+            <a:spLocks noGrp="1"/>
+          </p:cNvSpPr>
+          <p:nvPr>
+            <p:ph idx="1"/>
+          </p:nvPr>
+        </p:nvSpPr>
+        <p:spPr/>
+        <p:txBody>
+          <a:bodyPr/>
+          <a:lstStyle/>
+          <a:p>
+            <a:r>
               <a:rPr lang="en-US" dirty="0"/>
-              <a:t>Communicate</a:t>
-            </a:r>
-          </a:p>
-        </p:txBody>
-      </p:sp>
-      <p:sp>
-        <p:nvSpPr>
-          <p:cNvPr id="3" name="Content Placeholder 2">
-            <a:extLst>
-              <a:ext uri="{FF2B5EF4-FFF2-40B4-BE49-F238E27FC236}">
-                <a16:creationId xmlns:a16="http://schemas.microsoft.com/office/drawing/2014/main" id="{2C0B09F1-7F89-AE78-4DC0-A332028BC202}"/>
-              </a:ext>
-            </a:extLst>
-          </p:cNvPr>
-          <p:cNvSpPr>
-            <a:spLocks noGrp="1"/>
-          </p:cNvSpPr>
-          <p:nvPr>
-            <p:ph idx="1"/>
-          </p:nvPr>
-        </p:nvSpPr>
-        <p:spPr/>
-        <p:txBody>
-          <a:bodyPr/>
-          <a:lstStyle/>
-          <a:p>
+              <a:t>Result, Learning and Outcome</a:t>
+            </a:r>
+          </a:p>
+          <a:p>
+            <a:pPr lvl="1"/>
             <a:r>
               <a:rPr lang="en-US" dirty="0"/>
-              <a:t>Result and outcome</a:t>
+              <a:t>Natural dyes are better for everyone’s health and the environment</a:t>
             </a:r>
           </a:p>
           <a:p>
             <a:pPr lvl="1"/>
             <a:r>
               <a:rPr lang="en-US" dirty="0"/>
-              <a:t>Natural dyes are better for your health and the environment</a:t>
-            </a:r>
-          </a:p>
-          <a:p>
+              <a:t>AI can help to keep consistency with the manufacturing of the colors using natural resources or ingredients</a:t>
+            </a:r>
+          </a:p>
+          <a:p>
+            <a:pPr lvl="1"/>
             <a:r>
               <a:rPr lang="en-US" dirty="0"/>
-              <a:t>Recommendation ( give out samples ) </a:t>
+              <a:t>Team is working on creating a Functional App to raise awareness</a:t>
+            </a:r>
+          </a:p>
+          <a:p>
+            <a:pPr lvl="1"/>
+            <a:endParaRPr lang="en-US" dirty="0"/>
+          </a:p>
+          <a:p>
+            <a:r>
+              <a:rPr lang="en-US" dirty="0"/>
+              <a:t>Recommendation (hand out samples) </a:t>
             </a:r>
           </a:p>
           <a:p>
@@ -3971,7 +6599,7 @@
           <p:nvPr/>
         </p:nvPicPr>
         <p:blipFill>
-          <a:blip r:embed="rId2"/>
+          <a:blip r:embed="rId3"/>
           <a:stretch>
             <a:fillRect/>
           </a:stretch>
@@ -4038,93 +6666,46 @@
           </a:p>
         </p:txBody>
       </p:sp>
+      <p:sp>
+        <p:nvSpPr>
+          <p:cNvPr id="6" name="TextBox 5">
+            <a:extLst>
+              <a:ext uri="{FF2B5EF4-FFF2-40B4-BE49-F238E27FC236}">
+                <a16:creationId xmlns:a16="http://schemas.microsoft.com/office/drawing/2014/main" id="{9A056B6F-6177-C561-635A-DE0F5A86D997}"/>
+              </a:ext>
+            </a:extLst>
+          </p:cNvPr>
+          <p:cNvSpPr txBox="1"/>
+          <p:nvPr/>
+        </p:nvSpPr>
+        <p:spPr>
+          <a:xfrm>
+            <a:off x="11654183" y="9525"/>
+            <a:ext cx="523875" cy="307777"/>
+          </a:xfrm>
+          <a:prstGeom prst="rect">
+            <a:avLst/>
+          </a:prstGeom>
+          <a:noFill/>
+        </p:spPr>
+        <p:txBody>
+          <a:bodyPr wrap="square" rtlCol="0">
+            <a:spAutoFit/>
+          </a:bodyPr>
+          <a:lstStyle/>
+          <a:p>
+            <a:pPr algn="r"/>
+            <a:r>
+              <a:rPr lang="en-US" sz="1400" dirty="0"/>
+              <a:t>Riya</a:t>
+            </a:r>
+          </a:p>
+        </p:txBody>
+      </p:sp>
     </p:spTree>
     <p:extLst>
       <p:ext uri="{BB962C8B-B14F-4D97-AF65-F5344CB8AC3E}">
         <p14:creationId xmlns:p14="http://schemas.microsoft.com/office/powerpoint/2010/main" val="707282042"/>
-      </p:ext>
-    </p:extLst>
-  </p:cSld>
-  <p:clrMapOvr>
-    <a:masterClrMapping/>
-  </p:clrMapOvr>
-</p:sld>
-</file>
-
-<file path=ppt/slides/slide13.xml><?xml version="1.0" encoding="utf-8"?>
-<p:sld xmlns:a="http://schemas.openxmlformats.org/drawingml/2006/main" xmlns:r="http://schemas.openxmlformats.org/officeDocument/2006/relationships" xmlns:p="http://schemas.openxmlformats.org/presentationml/2006/main">
-  <p:cSld>
-    <p:spTree>
-      <p:nvGrpSpPr>
-        <p:cNvPr id="1" name=""/>
-        <p:cNvGrpSpPr/>
-        <p:nvPr/>
-      </p:nvGrpSpPr>
-      <p:grpSpPr>
-        <a:xfrm>
-          <a:off x="0" y="0"/>
-          <a:ext cx="0" cy="0"/>
-          <a:chOff x="0" y="0"/>
-          <a:chExt cx="0" cy="0"/>
-        </a:xfrm>
-      </p:grpSpPr>
-      <p:sp>
-        <p:nvSpPr>
-          <p:cNvPr id="4" name="Title 3">
-            <a:extLst>
-              <a:ext uri="{FF2B5EF4-FFF2-40B4-BE49-F238E27FC236}">
-                <a16:creationId xmlns:a16="http://schemas.microsoft.com/office/drawing/2014/main" id="{E39F1516-B9E3-49F5-790A-A2427C605ECC}"/>
-              </a:ext>
-            </a:extLst>
-          </p:cNvPr>
-          <p:cNvSpPr>
-            <a:spLocks noGrp="1"/>
-          </p:cNvSpPr>
-          <p:nvPr>
-            <p:ph type="ctrTitle"/>
-          </p:nvPr>
-        </p:nvSpPr>
-        <p:spPr/>
-        <p:txBody>
-          <a:bodyPr/>
-          <a:lstStyle/>
-          <a:p>
-            <a:r>
-              <a:rPr lang="en-US" dirty="0"/>
-              <a:t>Thank you!</a:t>
-            </a:r>
-          </a:p>
-        </p:txBody>
-      </p:sp>
-      <p:sp>
-        <p:nvSpPr>
-          <p:cNvPr id="5" name="Subtitle 4">
-            <a:extLst>
-              <a:ext uri="{FF2B5EF4-FFF2-40B4-BE49-F238E27FC236}">
-                <a16:creationId xmlns:a16="http://schemas.microsoft.com/office/drawing/2014/main" id="{1010879E-842D-9831-A8BC-BEA48133EB87}"/>
-              </a:ext>
-            </a:extLst>
-          </p:cNvPr>
-          <p:cNvSpPr>
-            <a:spLocks noGrp="1"/>
-          </p:cNvSpPr>
-          <p:nvPr>
-            <p:ph type="subTitle" idx="1"/>
-          </p:nvPr>
-        </p:nvSpPr>
-        <p:spPr/>
-        <p:txBody>
-          <a:bodyPr/>
-          <a:lstStyle/>
-          <a:p>
-            <a:endParaRPr lang="en-US"/>
-          </a:p>
-        </p:txBody>
-      </p:sp>
-    </p:spTree>
-    <p:extLst>
-      <p:ext uri="{BB962C8B-B14F-4D97-AF65-F5344CB8AC3E}">
-        <p14:creationId xmlns:p14="http://schemas.microsoft.com/office/powerpoint/2010/main" val="46328822"/>
       </p:ext>
     </p:extLst>
   </p:cSld>
@@ -4151,12 +6732,76 @@
           <a:chExt cx="0" cy="0"/>
         </a:xfrm>
       </p:grpSpPr>
+      <p:sp>
+        <p:nvSpPr>
+          <p:cNvPr id="4" name="Title 3">
+            <a:extLst>
+              <a:ext uri="{FF2B5EF4-FFF2-40B4-BE49-F238E27FC236}">
+                <a16:creationId xmlns:a16="http://schemas.microsoft.com/office/drawing/2014/main" id="{E39F1516-B9E3-49F5-790A-A2427C605ECC}"/>
+              </a:ext>
+            </a:extLst>
+          </p:cNvPr>
+          <p:cNvSpPr>
+            <a:spLocks noGrp="1"/>
+          </p:cNvSpPr>
+          <p:nvPr>
+            <p:ph type="ctrTitle"/>
+          </p:nvPr>
+        </p:nvSpPr>
+        <p:spPr/>
+        <p:txBody>
+          <a:bodyPr/>
+          <a:lstStyle/>
+          <a:p>
+            <a:r>
+              <a:rPr lang="en-US" dirty="0"/>
+              <a:t>Thank you!</a:t>
+            </a:r>
+          </a:p>
+        </p:txBody>
+      </p:sp>
+      <p:sp>
+        <p:nvSpPr>
+          <p:cNvPr id="3" name="TextBox 2">
+            <a:extLst>
+              <a:ext uri="{FF2B5EF4-FFF2-40B4-BE49-F238E27FC236}">
+                <a16:creationId xmlns:a16="http://schemas.microsoft.com/office/drawing/2014/main" id="{CCD6555E-04CB-559A-A3E5-C028AA8BDF6B}"/>
+              </a:ext>
+            </a:extLst>
+          </p:cNvPr>
+          <p:cNvSpPr txBox="1"/>
+          <p:nvPr/>
+        </p:nvSpPr>
+        <p:spPr>
+          <a:xfrm>
+            <a:off x="11654183" y="9525"/>
+            <a:ext cx="523875" cy="307777"/>
+          </a:xfrm>
+          <a:prstGeom prst="rect">
+            <a:avLst/>
+          </a:prstGeom>
+          <a:noFill/>
+        </p:spPr>
+        <p:txBody>
+          <a:bodyPr wrap="square" rtlCol="0">
+            <a:spAutoFit/>
+          </a:bodyPr>
+          <a:lstStyle/>
+          <a:p>
+            <a:pPr algn="r"/>
+            <a:r>
+              <a:rPr lang="en-US" sz="1400" dirty="0"/>
+              <a:t>Riya</a:t>
+            </a:r>
+          </a:p>
+        </p:txBody>
+      </p:sp>
       <p:pic>
         <p:nvPicPr>
-          <p:cNvPr id="5" name="Picture 4">
-            <a:extLst>
-              <a:ext uri="{FF2B5EF4-FFF2-40B4-BE49-F238E27FC236}">
-                <a16:creationId xmlns:a16="http://schemas.microsoft.com/office/drawing/2014/main" id="{C2341030-1402-A7EC-2331-01F7B8796C03}"/>
+          <p:cNvPr id="6" name="Picture 5">
+            <a:extLst>
+              <a:ext uri="{FF2B5EF4-FFF2-40B4-BE49-F238E27FC236}">
+                <a16:creationId xmlns:a16="http://schemas.microsoft.com/office/drawing/2014/main" id="{E5DD5846-ECE7-825A-4B55-A3C828546FF7}"/>
               </a:ext>
             </a:extLst>
           </p:cNvPr>
@@ -4166,7 +6811,7 @@
           <p:nvPr/>
         </p:nvPicPr>
         <p:blipFill>
-          <a:blip r:embed="rId2"/>
+          <a:blip r:embed="rId3"/>
           <a:srcRect b="47337"/>
           <a:stretch>
             <a:fillRect/>
@@ -4174,8 +6819,8 @@
         </p:blipFill>
         <p:spPr>
           <a:xfrm>
-            <a:off x="138778" y="966476"/>
-            <a:ext cx="4059997" cy="927639"/>
+            <a:off x="9006840" y="5735637"/>
+            <a:ext cx="3028343" cy="691924"/>
           </a:xfrm>
           <a:prstGeom prst="rect">
             <a:avLst/>
@@ -4184,10 +6829,10 @@
       </p:pic>
       <p:pic>
         <p:nvPicPr>
-          <p:cNvPr id="1026" name="Picture 2" descr="FIRST LEGO League seizoen 2025-2026 | Beleef je Beroep">
-            <a:extLst>
-              <a:ext uri="{FF2B5EF4-FFF2-40B4-BE49-F238E27FC236}">
-                <a16:creationId xmlns:a16="http://schemas.microsoft.com/office/drawing/2014/main" id="{C37EBCF2-258C-C09B-16F2-D7E0EA98F34E}"/>
+          <p:cNvPr id="8" name="Picture 2" descr="FIRST LEGO League seizoen 2025-2026 | Beleef je Beroep">
+            <a:extLst>
+              <a:ext uri="{FF2B5EF4-FFF2-40B4-BE49-F238E27FC236}">
+                <a16:creationId xmlns:a16="http://schemas.microsoft.com/office/drawing/2014/main" id="{C015F4A7-5256-DF88-7287-756DDAD80533}"/>
               </a:ext>
             </a:extLst>
           </p:cNvPr>
@@ -4197,7 +6842,7 @@
           <p:nvPr/>
         </p:nvPicPr>
         <p:blipFill rotWithShape="1">
-          <a:blip r:embed="rId3">
+          <a:blip r:embed="rId4">
             <a:extLst>
               <a:ext uri="{28A0092B-C50C-407E-A947-70E740481C1C}">
                 <a14:useLocalDpi xmlns:a14="http://schemas.microsoft.com/office/drawing/2010/main" val="0"/>
@@ -4211,8 +6856,8 @@
         </p:blipFill>
         <p:spPr bwMode="auto">
           <a:xfrm>
-            <a:off x="2317895" y="3082755"/>
-            <a:ext cx="2196981" cy="2099388"/>
+            <a:off x="306215" y="5257800"/>
+            <a:ext cx="1454385" cy="1389779"/>
           </a:xfrm>
           <a:prstGeom prst="rect">
             <a:avLst/>
@@ -4229,12 +6874,42 @@
           </a:extLst>
         </p:spPr>
       </p:pic>
+    </p:spTree>
+    <p:extLst>
+      <p:ext uri="{BB962C8B-B14F-4D97-AF65-F5344CB8AC3E}">
+        <p14:creationId xmlns:p14="http://schemas.microsoft.com/office/powerpoint/2010/main" val="46328822"/>
+      </p:ext>
+    </p:extLst>
+  </p:cSld>
+  <p:clrMapOvr>
+    <a:masterClrMapping/>
+  </p:clrMapOvr>
+</p:sld>
+</file>
+
+<file path=ppt/slides/slide15.xml><?xml version="1.0" encoding="utf-8"?>
+<p:sld xmlns:a="http://schemas.openxmlformats.org/drawingml/2006/main" xmlns:r="http://schemas.openxmlformats.org/officeDocument/2006/relationships" xmlns:p="http://schemas.openxmlformats.org/presentationml/2006/main">
+  <p:cSld>
+    <p:spTree>
+      <p:nvGrpSpPr>
+        <p:cNvPr id="1" name=""/>
+        <p:cNvGrpSpPr/>
+        <p:nvPr/>
+      </p:nvGrpSpPr>
+      <p:grpSpPr>
+        <a:xfrm>
+          <a:off x="0" y="0"/>
+          <a:ext cx="0" cy="0"/>
+          <a:chOff x="0" y="0"/>
+          <a:chExt cx="0" cy="0"/>
+        </a:xfrm>
+      </p:grpSpPr>
       <p:pic>
         <p:nvPicPr>
-          <p:cNvPr id="7" name="Picture 6">
-            <a:extLst>
-              <a:ext uri="{FF2B5EF4-FFF2-40B4-BE49-F238E27FC236}">
-                <a16:creationId xmlns:a16="http://schemas.microsoft.com/office/drawing/2014/main" id="{F7C76C79-6F0C-D9D1-1F5F-CB41087CB588}"/>
+          <p:cNvPr id="5" name="Picture 4">
+            <a:extLst>
+              <a:ext uri="{FF2B5EF4-FFF2-40B4-BE49-F238E27FC236}">
+                <a16:creationId xmlns:a16="http://schemas.microsoft.com/office/drawing/2014/main" id="{45F471E7-6DD3-F741-4D94-A47532469A71}"/>
               </a:ext>
             </a:extLst>
           </p:cNvPr>
@@ -4244,15 +6919,15 @@
           <p:nvPr/>
         </p:nvPicPr>
         <p:blipFill>
-          <a:blip r:embed="rId4"/>
+          <a:blip r:embed="rId2"/>
           <a:stretch>
             <a:fillRect/>
           </a:stretch>
         </p:blipFill>
         <p:spPr>
           <a:xfrm>
-            <a:off x="6870626" y="1614196"/>
-            <a:ext cx="3152402" cy="2806569"/>
+            <a:off x="0" y="1025581"/>
+            <a:ext cx="12192000" cy="4806838"/>
           </a:xfrm>
           <a:prstGeom prst="rect">
             <a:avLst/>
@@ -4262,7 +6937,163 @@
     </p:spTree>
     <p:extLst>
       <p:ext uri="{BB962C8B-B14F-4D97-AF65-F5344CB8AC3E}">
-        <p14:creationId xmlns:p14="http://schemas.microsoft.com/office/powerpoint/2010/main" val="527069019"/>
+        <p14:creationId xmlns:p14="http://schemas.microsoft.com/office/powerpoint/2010/main" val="2544081615"/>
+      </p:ext>
+    </p:extLst>
+  </p:cSld>
+  <p:clrMapOvr>
+    <a:masterClrMapping/>
+  </p:clrMapOvr>
+</p:sld>
+</file>
+
+<file path=ppt/slides/slide16.xml><?xml version="1.0" encoding="utf-8"?>
+<p:sld xmlns:a="http://schemas.openxmlformats.org/drawingml/2006/main" xmlns:r="http://schemas.openxmlformats.org/officeDocument/2006/relationships" xmlns:p="http://schemas.openxmlformats.org/presentationml/2006/main" show="0">
+  <p:cSld>
+    <p:spTree>
+      <p:nvGrpSpPr>
+        <p:cNvPr id="1" name=""/>
+        <p:cNvGrpSpPr/>
+        <p:nvPr/>
+      </p:nvGrpSpPr>
+      <p:grpSpPr>
+        <a:xfrm>
+          <a:off x="0" y="0"/>
+          <a:ext cx="0" cy="0"/>
+          <a:chOff x="0" y="0"/>
+          <a:chExt cx="0" cy="0"/>
+        </a:xfrm>
+      </p:grpSpPr>
+      <p:sp>
+        <p:nvSpPr>
+          <p:cNvPr id="2" name="Title 1">
+            <a:extLst>
+              <a:ext uri="{FF2B5EF4-FFF2-40B4-BE49-F238E27FC236}">
+                <a16:creationId xmlns:a16="http://schemas.microsoft.com/office/drawing/2014/main" id="{AEC9674F-65CE-C57B-8504-2EE694BA9917}"/>
+              </a:ext>
+            </a:extLst>
+          </p:cNvPr>
+          <p:cNvSpPr>
+            <a:spLocks noGrp="1"/>
+          </p:cNvSpPr>
+          <p:nvPr>
+            <p:ph type="title"/>
+          </p:nvPr>
+        </p:nvSpPr>
+        <p:spPr>
+          <a:xfrm>
+            <a:off x="838200" y="1103889"/>
+            <a:ext cx="10515600" cy="1325563"/>
+          </a:xfrm>
+        </p:spPr>
+        <p:txBody>
+          <a:bodyPr>
+            <a:normAutofit/>
+          </a:bodyPr>
+          <a:lstStyle/>
+          <a:p>
+            <a:r>
+              <a:rPr lang="en-US" sz="2800" dirty="0"/>
+              <a:t>Civilizations Researched</a:t>
+            </a:r>
+          </a:p>
+        </p:txBody>
+      </p:sp>
+      <p:pic>
+        <p:nvPicPr>
+          <p:cNvPr id="5" name="Content Placeholder 4">
+            <a:extLst>
+              <a:ext uri="{FF2B5EF4-FFF2-40B4-BE49-F238E27FC236}">
+                <a16:creationId xmlns:a16="http://schemas.microsoft.com/office/drawing/2014/main" id="{0BEB83BA-713B-4B5A-CBEE-76DE759DBCFF}"/>
+              </a:ext>
+            </a:extLst>
+          </p:cNvPr>
+          <p:cNvPicPr>
+            <a:picLocks noGrp="1" noChangeAspect="1"/>
+          </p:cNvPicPr>
+          <p:nvPr>
+            <p:ph idx="1"/>
+          </p:nvPr>
+        </p:nvPicPr>
+        <p:blipFill>
+          <a:blip r:embed="rId2"/>
+          <a:stretch>
+            <a:fillRect/>
+          </a:stretch>
+        </p:blipFill>
+        <p:spPr>
+          <a:xfrm>
+            <a:off x="3355848" y="2343032"/>
+            <a:ext cx="5184647" cy="4514968"/>
+          </a:xfrm>
+          <a:prstGeom prst="rect">
+            <a:avLst/>
+          </a:prstGeom>
+        </p:spPr>
+      </p:pic>
+      <p:sp>
+        <p:nvSpPr>
+          <p:cNvPr id="7" name="Title 1">
+            <a:extLst>
+              <a:ext uri="{FF2B5EF4-FFF2-40B4-BE49-F238E27FC236}">
+                <a16:creationId xmlns:a16="http://schemas.microsoft.com/office/drawing/2014/main" id="{3B46F890-7E7E-4692-FB79-F1B7B8BC1433}"/>
+              </a:ext>
+            </a:extLst>
+          </p:cNvPr>
+          <p:cNvSpPr txBox="1">
+            <a:spLocks/>
+          </p:cNvSpPr>
+          <p:nvPr/>
+        </p:nvSpPr>
+        <p:spPr>
+          <a:xfrm>
+            <a:off x="838200" y="365125"/>
+            <a:ext cx="10515600" cy="1325563"/>
+          </a:xfrm>
+          <a:prstGeom prst="rect">
+            <a:avLst/>
+          </a:prstGeom>
+        </p:spPr>
+        <p:txBody>
+          <a:bodyPr vert="horz" lIns="91440" tIns="45720" rIns="91440" bIns="45720" rtlCol="0" anchor="ctr">
+            <a:normAutofit/>
+          </a:bodyPr>
+          <a:lstStyle>
+            <a:lvl1pPr algn="l" defTabSz="914400" rtl="0" eaLnBrk="1" latinLnBrk="0" hangingPunct="1">
+              <a:lnSpc>
+                <a:spcPct val="90000"/>
+              </a:lnSpc>
+              <a:spcBef>
+                <a:spcPct val="0"/>
+              </a:spcBef>
+              <a:buNone/>
+              <a:defRPr sz="4400" kern="1200">
+                <a:solidFill>
+                  <a:schemeClr val="tx1"/>
+                </a:solidFill>
+                <a:latin typeface="+mj-lt"/>
+                <a:ea typeface="+mj-ea"/>
+                <a:cs typeface="+mj-cs"/>
+              </a:defRPr>
+            </a:lvl1pPr>
+          </a:lstStyle>
+          <a:p>
+            <a:r>
+              <a:rPr lang="en-US" b="1"/>
+              <a:t>Create </a:t>
+            </a:r>
+            <a:r>
+              <a:rPr lang="en-US"/>
+              <a:t>/ Summary</a:t>
+            </a:r>
+            <a:endParaRPr lang="en-US" dirty="0"/>
+          </a:p>
+        </p:txBody>
+      </p:sp>
+    </p:spTree>
+    <p:extLst>
+      <p:ext uri="{BB962C8B-B14F-4D97-AF65-F5344CB8AC3E}">
+        <p14:creationId xmlns:p14="http://schemas.microsoft.com/office/powerpoint/2010/main" val="2034437179"/>
       </p:ext>
     </p:extLst>
   </p:cSld>
@@ -4294,7 +7125,7 @@
           <p:cNvPr id="2" name="Title 1">
             <a:extLst>
               <a:ext uri="{FF2B5EF4-FFF2-40B4-BE49-F238E27FC236}">
-                <a16:creationId xmlns:a16="http://schemas.microsoft.com/office/drawing/2014/main" id="{A7E405A8-5DE7-008B-019F-17BF40CCEFAF}"/>
+                <a16:creationId xmlns:a16="http://schemas.microsoft.com/office/drawing/2014/main" id="{BA3DC890-69BB-9742-61C0-5D71BACD4E12}"/>
               </a:ext>
             </a:extLst>
           </p:cNvPr>
@@ -4311,8 +7142,12 @@
           <a:lstStyle/>
           <a:p>
             <a:r>
+              <a:rPr lang="en-US" b="1" dirty="0"/>
+              <a:t>Identify</a:t>
+            </a:r>
+            <a:r>
               <a:rPr lang="en-US" dirty="0"/>
-              <a:t>Identify / Problem </a:t>
+              <a:t> / Problem Selection</a:t>
             </a:r>
           </a:p>
         </p:txBody>
@@ -4322,7 +7157,7 @@
           <p:cNvPr id="3" name="Content Placeholder 2">
             <a:extLst>
               <a:ext uri="{FF2B5EF4-FFF2-40B4-BE49-F238E27FC236}">
-                <a16:creationId xmlns:a16="http://schemas.microsoft.com/office/drawing/2014/main" id="{9E824097-824E-0D0F-5F63-7102FC793719}"/>
+                <a16:creationId xmlns:a16="http://schemas.microsoft.com/office/drawing/2014/main" id="{7E6985DE-A26B-1E05-5030-D0FE88AFD376}"/>
               </a:ext>
             </a:extLst>
           </p:cNvPr>
@@ -4332,22 +7167,181 @@
           <p:nvPr>
             <p:ph idx="1"/>
           </p:nvPr>
+        </p:nvSpPr>
+        <p:spPr/>
+        <p:txBody>
+          <a:bodyPr/>
+          <a:lstStyle/>
+          <a:p>
+            <a:pPr marL="0" indent="0">
+              <a:buNone/>
+            </a:pPr>
+            <a:r>
+              <a:rPr lang="en-US" dirty="0"/>
+              <a:t>Ideas Explored</a:t>
+            </a:r>
+          </a:p>
+          <a:p>
+            <a:r>
+              <a:rPr lang="en-US" sz="2400" dirty="0"/>
+              <a:t>Robotic Arm in Field of Archaeology </a:t>
+            </a:r>
+          </a:p>
+          <a:p>
+            <a:r>
+              <a:rPr lang="en-US" sz="2400" dirty="0"/>
+              <a:t>LIDAR / SONAR</a:t>
+            </a:r>
+          </a:p>
+          <a:p>
+            <a:r>
+              <a:rPr lang="en-US" sz="2400" dirty="0"/>
+              <a:t>Natural Cooling / Wind Tower</a:t>
+            </a:r>
+          </a:p>
+          <a:p>
+            <a:r>
+              <a:rPr lang="en-US" sz="2400" dirty="0"/>
+              <a:t>Artificial Dyes in Jewelry</a:t>
+            </a:r>
+          </a:p>
+          <a:p>
+            <a:r>
+              <a:rPr lang="en-US" sz="2400" b="1" dirty="0"/>
+              <a:t>Artificial Dyes in Food</a:t>
+            </a:r>
+          </a:p>
+        </p:txBody>
+      </p:sp>
+      <p:sp>
+        <p:nvSpPr>
+          <p:cNvPr id="4" name="TextBox 3">
+            <a:extLst>
+              <a:ext uri="{FF2B5EF4-FFF2-40B4-BE49-F238E27FC236}">
+                <a16:creationId xmlns:a16="http://schemas.microsoft.com/office/drawing/2014/main" id="{74437F4B-AA17-7742-0A99-8123D537C038}"/>
+              </a:ext>
+            </a:extLst>
+          </p:cNvPr>
+          <p:cNvSpPr txBox="1"/>
+          <p:nvPr/>
         </p:nvSpPr>
         <p:spPr>
           <a:xfrm>
-            <a:off x="838200" y="1825625"/>
-            <a:ext cx="10515600" cy="5032376"/>
+            <a:off x="11055097" y="9525"/>
+            <a:ext cx="1122962" cy="307777"/>
+          </a:xfrm>
+          <a:prstGeom prst="rect">
+            <a:avLst/>
+          </a:prstGeom>
+          <a:noFill/>
+        </p:spPr>
+        <p:txBody>
+          <a:bodyPr wrap="square" rtlCol="0">
+            <a:spAutoFit/>
+          </a:bodyPr>
+          <a:lstStyle/>
+          <a:p>
+            <a:pPr algn="r"/>
+            <a:r>
+              <a:rPr lang="en-US" sz="1400" dirty="0"/>
+              <a:t>Riona</a:t>
+            </a:r>
+          </a:p>
+        </p:txBody>
+      </p:sp>
+    </p:spTree>
+    <p:extLst>
+      <p:ext uri="{BB962C8B-B14F-4D97-AF65-F5344CB8AC3E}">
+        <p14:creationId xmlns:p14="http://schemas.microsoft.com/office/powerpoint/2010/main" val="326853576"/>
+      </p:ext>
+    </p:extLst>
+  </p:cSld>
+  <p:clrMapOvr>
+    <a:masterClrMapping/>
+  </p:clrMapOvr>
+</p:sld>
+</file>
+
+<file path=ppt/slides/slide3.xml><?xml version="1.0" encoding="utf-8"?>
+<p:sld xmlns:a="http://schemas.openxmlformats.org/drawingml/2006/main" xmlns:r="http://schemas.openxmlformats.org/officeDocument/2006/relationships" xmlns:p="http://schemas.openxmlformats.org/presentationml/2006/main">
+  <p:cSld>
+    <p:spTree>
+      <p:nvGrpSpPr>
+        <p:cNvPr id="1" name=""/>
+        <p:cNvGrpSpPr/>
+        <p:nvPr/>
+      </p:nvGrpSpPr>
+      <p:grpSpPr>
+        <a:xfrm>
+          <a:off x="0" y="0"/>
+          <a:ext cx="0" cy="0"/>
+          <a:chOff x="0" y="0"/>
+          <a:chExt cx="0" cy="0"/>
+        </a:xfrm>
+      </p:grpSpPr>
+      <p:sp>
+        <p:nvSpPr>
+          <p:cNvPr id="2" name="Title 1">
+            <a:extLst>
+              <a:ext uri="{FF2B5EF4-FFF2-40B4-BE49-F238E27FC236}">
+                <a16:creationId xmlns:a16="http://schemas.microsoft.com/office/drawing/2014/main" id="{A7E405A8-5DE7-008B-019F-17BF40CCEFAF}"/>
+              </a:ext>
+            </a:extLst>
+          </p:cNvPr>
+          <p:cNvSpPr>
+            <a:spLocks noGrp="1"/>
+          </p:cNvSpPr>
+          <p:nvPr>
+            <p:ph type="title"/>
+          </p:nvPr>
+        </p:nvSpPr>
+        <p:spPr/>
+        <p:txBody>
+          <a:bodyPr/>
+          <a:lstStyle/>
+          <a:p>
+            <a:r>
+              <a:rPr lang="en-US" b="1" dirty="0"/>
+              <a:t>Identify</a:t>
+            </a:r>
+            <a:r>
+              <a:rPr lang="en-US" dirty="0"/>
+              <a:t> / Problem Details</a:t>
+            </a:r>
+          </a:p>
+        </p:txBody>
+      </p:sp>
+      <p:sp>
+        <p:nvSpPr>
+          <p:cNvPr id="3" name="Content Placeholder 2">
+            <a:extLst>
+              <a:ext uri="{FF2B5EF4-FFF2-40B4-BE49-F238E27FC236}">
+                <a16:creationId xmlns:a16="http://schemas.microsoft.com/office/drawing/2014/main" id="{9E824097-824E-0D0F-5F63-7102FC793719}"/>
+              </a:ext>
+            </a:extLst>
+          </p:cNvPr>
+          <p:cNvSpPr>
+            <a:spLocks noGrp="1"/>
+          </p:cNvSpPr>
+          <p:nvPr>
+            <p:ph idx="1"/>
+          </p:nvPr>
+        </p:nvSpPr>
+        <p:spPr>
+          <a:xfrm>
+            <a:off x="838200" y="1460498"/>
+            <a:ext cx="10515600" cy="5397501"/>
           </a:xfrm>
         </p:spPr>
         <p:txBody>
           <a:bodyPr>
-            <a:normAutofit lnSpcReduction="10000"/>
+            <a:normAutofit/>
           </a:bodyPr>
           <a:lstStyle/>
           <a:p>
             <a:r>
               <a:rPr lang="en-US" dirty="0"/>
-              <a:t>Artificial dyes produce lots of pollution </a:t>
+              <a:t>Artificial dyes cause lots of pollution </a:t>
             </a:r>
           </a:p>
           <a:p>
@@ -4408,13 +7402,13 @@
           <a:p>
             <a:r>
               <a:rPr lang="en-US" dirty="0"/>
-              <a:t>Artificial dyes also affect wildlife and aquatic life</a:t>
+              <a:t>Artificial dyes also affect Wildlife and Aquatic life</a:t>
             </a:r>
           </a:p>
           <a:p>
             <a:r>
               <a:rPr lang="en-US" dirty="0"/>
-              <a:t>Civilization moved away from natural dies because of cost, consistency, and availability of ingredients </a:t>
+              <a:t>Civilization moved away from natural dyes because of cost, consistency, and availability of natural ingredients </a:t>
             </a:r>
           </a:p>
           <a:p>
@@ -4437,7 +7431,7 @@
           <p:nvPr/>
         </p:nvPicPr>
         <p:blipFill>
-          <a:blip r:embed="rId2"/>
+          <a:blip r:embed="rId3"/>
           <a:stretch>
             <a:fillRect/>
           </a:stretch>
@@ -4504,6 +7498,42 @@
           </a:p>
         </p:txBody>
       </p:sp>
+      <p:sp>
+        <p:nvSpPr>
+          <p:cNvPr id="6" name="TextBox 5">
+            <a:extLst>
+              <a:ext uri="{FF2B5EF4-FFF2-40B4-BE49-F238E27FC236}">
+                <a16:creationId xmlns:a16="http://schemas.microsoft.com/office/drawing/2014/main" id="{65B0E84E-115E-CA65-12DD-0FE4C3CFE83F}"/>
+              </a:ext>
+            </a:extLst>
+          </p:cNvPr>
+          <p:cNvSpPr txBox="1"/>
+          <p:nvPr/>
+        </p:nvSpPr>
+        <p:spPr>
+          <a:xfrm>
+            <a:off x="11521327" y="9525"/>
+            <a:ext cx="656731" cy="307777"/>
+          </a:xfrm>
+          <a:prstGeom prst="rect">
+            <a:avLst/>
+          </a:prstGeom>
+          <a:noFill/>
+        </p:spPr>
+        <p:txBody>
+          <a:bodyPr wrap="square" rtlCol="0">
+            <a:spAutoFit/>
+          </a:bodyPr>
+          <a:lstStyle/>
+          <a:p>
+            <a:pPr algn="r"/>
+            <a:r>
+              <a:rPr lang="en-US" sz="1400" dirty="0"/>
+              <a:t>Shaivi</a:t>
+            </a:r>
+          </a:p>
+        </p:txBody>
+      </p:sp>
     </p:spTree>
     <p:extLst>
       <p:ext uri="{BB962C8B-B14F-4D97-AF65-F5344CB8AC3E}">
@@ -4517,7 +7547,7 @@
 </p:sld>
 </file>
 
-<file path=ppt/slides/slide3.xml><?xml version="1.0" encoding="utf-8"?>
+<file path=ppt/slides/slide4.xml><?xml version="1.0" encoding="utf-8"?>
 <p:sld xmlns:a="http://schemas.openxmlformats.org/drawingml/2006/main" xmlns:r="http://schemas.openxmlformats.org/officeDocument/2006/relationships" xmlns:p="http://schemas.openxmlformats.org/presentationml/2006/main">
   <p:cSld>
     <p:spTree>
@@ -4549,7 +7579,7 @@
           <p:nvPr/>
         </p:nvPicPr>
         <p:blipFill>
-          <a:blip r:embed="rId2"/>
+          <a:blip r:embed="rId3"/>
           <a:stretch>
             <a:fillRect/>
           </a:stretch>
@@ -4586,8 +7616,12 @@
           <a:lstStyle/>
           <a:p>
             <a:r>
+              <a:rPr lang="en-US" b="1" dirty="0"/>
+              <a:t>Design</a:t>
+            </a:r>
+            <a:r>
               <a:rPr lang="en-US" dirty="0"/>
-              <a:t>Design / Solution</a:t>
+              <a:t> / Solution</a:t>
             </a:r>
           </a:p>
         </p:txBody>
@@ -4615,32 +7649,26 @@
           <a:p>
             <a:r>
               <a:rPr lang="en-US" dirty="0"/>
-              <a:t>Ways to replace artificial dyes with natural dyes</a:t>
+              <a:t>Replace use of artificial dyes with natural dyes</a:t>
             </a:r>
           </a:p>
           <a:p>
             <a:r>
               <a:rPr lang="en-US" dirty="0"/>
-              <a:t>Use AI to help solve the problem</a:t>
+              <a:t>Solve the problem using Artificial Intelligence (AI)</a:t>
             </a:r>
           </a:p>
           <a:p>
             <a:r>
               <a:rPr lang="en-US" dirty="0"/>
-              <a:t>AI can use color detection in mass production facilities</a:t>
+              <a:t>Control mass production using AI color detection</a:t>
             </a:r>
           </a:p>
           <a:p>
             <a:r>
               <a:rPr lang="en-US" dirty="0"/>
-              <a:t>AI can help us keep the color consistency</a:t>
-            </a:r>
-          </a:p>
-          <a:p>
-            <a:endParaRPr lang="en-US" dirty="0"/>
-          </a:p>
-          <a:p>
-            <a:endParaRPr lang="en-US" dirty="0"/>
+              <a:t>Maintain color consistency using AI color detection</a:t>
+            </a:r>
           </a:p>
         </p:txBody>
       </p:sp>
@@ -4696,6 +7724,42 @@
           </a:p>
         </p:txBody>
       </p:sp>
+      <p:sp>
+        <p:nvSpPr>
+          <p:cNvPr id="4" name="TextBox 3">
+            <a:extLst>
+              <a:ext uri="{FF2B5EF4-FFF2-40B4-BE49-F238E27FC236}">
+                <a16:creationId xmlns:a16="http://schemas.microsoft.com/office/drawing/2014/main" id="{AF1EFBD0-7677-4200-5947-676CFF71335D}"/>
+              </a:ext>
+            </a:extLst>
+          </p:cNvPr>
+          <p:cNvSpPr txBox="1"/>
+          <p:nvPr/>
+        </p:nvSpPr>
+        <p:spPr>
+          <a:xfrm>
+            <a:off x="11479697" y="9525"/>
+            <a:ext cx="698362" cy="307777"/>
+          </a:xfrm>
+          <a:prstGeom prst="rect">
+            <a:avLst/>
+          </a:prstGeom>
+          <a:noFill/>
+        </p:spPr>
+        <p:txBody>
+          <a:bodyPr wrap="square" rtlCol="0">
+            <a:spAutoFit/>
+          </a:bodyPr>
+          <a:lstStyle/>
+          <a:p>
+            <a:pPr algn="r"/>
+            <a:r>
+              <a:rPr lang="en-US" sz="1400" dirty="0"/>
+              <a:t>Zoey</a:t>
+            </a:r>
+          </a:p>
+        </p:txBody>
+      </p:sp>
     </p:spTree>
     <p:extLst>
       <p:ext uri="{BB962C8B-B14F-4D97-AF65-F5344CB8AC3E}">
@@ -4709,7 +7773,7 @@
 </p:sld>
 </file>
 
-<file path=ppt/slides/slide4.xml><?xml version="1.0" encoding="utf-8"?>
+<file path=ppt/slides/slide5.xml><?xml version="1.0" encoding="utf-8"?>
 <p:sld xmlns:a="http://schemas.openxmlformats.org/drawingml/2006/main" xmlns:r="http://schemas.openxmlformats.org/officeDocument/2006/relationships" xmlns:p="http://schemas.openxmlformats.org/presentationml/2006/main">
   <p:cSld>
     <p:spTree>
@@ -4750,8 +7814,12 @@
           <a:lstStyle/>
           <a:p>
             <a:r>
+              <a:rPr lang="en-US" b="1" dirty="0"/>
+              <a:t>Create </a:t>
+            </a:r>
+            <a:r>
               <a:rPr lang="en-US" dirty="0"/>
-              <a:t>Create</a:t>
+              <a:t>/ Summary</a:t>
             </a:r>
           </a:p>
         </p:txBody>
@@ -4772,14 +7840,19 @@
             <p:ph idx="1"/>
           </p:nvPr>
         </p:nvSpPr>
-        <p:spPr/>
+        <p:spPr>
+          <a:xfrm>
+            <a:off x="816864" y="1430135"/>
+            <a:ext cx="10515600" cy="4351338"/>
+          </a:xfrm>
+        </p:spPr>
         <p:txBody>
           <a:bodyPr/>
           <a:lstStyle/>
           <a:p>
             <a:r>
               <a:rPr lang="en-US" dirty="0"/>
-              <a:t>We researched about how different civilizations used natural dies in their life style</a:t>
+              <a:t>We researched about how different civilizations used natural dyes in their life style</a:t>
             </a:r>
           </a:p>
           <a:p>
@@ -4792,7 +7865,7 @@
             <a:pPr lvl="1"/>
             <a:r>
               <a:rPr lang="en-US" dirty="0"/>
-              <a:t>Boiling plants to turn them into dye </a:t>
+              <a:t>Boiling plants to turn them into dyes</a:t>
             </a:r>
           </a:p>
           <a:p>
@@ -4806,7 +7879,7 @@
             <a:pPr lvl="1"/>
             <a:r>
               <a:rPr lang="en-US" dirty="0"/>
-              <a:t>Rubbing the plants/rocks to turn It into dye</a:t>
+              <a:t>Rubbing the plants/rocks to turn them into dyes</a:t>
             </a:r>
           </a:p>
           <a:p>
@@ -4835,7 +7908,7 @@
           <p:nvPr/>
         </p:nvPicPr>
         <p:blipFill>
-          <a:blip r:embed="rId2"/>
+          <a:blip r:embed="rId3"/>
           <a:stretch>
             <a:fillRect/>
           </a:stretch>
@@ -4902,6 +7975,72 @@
           </a:p>
         </p:txBody>
       </p:sp>
+      <p:sp>
+        <p:nvSpPr>
+          <p:cNvPr id="4" name="TextBox 3">
+            <a:extLst>
+              <a:ext uri="{FF2B5EF4-FFF2-40B4-BE49-F238E27FC236}">
+                <a16:creationId xmlns:a16="http://schemas.microsoft.com/office/drawing/2014/main" id="{A274CE8A-94BA-0F60-55CF-3BB0D047D456}"/>
+              </a:ext>
+            </a:extLst>
+          </p:cNvPr>
+          <p:cNvSpPr txBox="1"/>
+          <p:nvPr/>
+        </p:nvSpPr>
+        <p:spPr>
+          <a:xfrm>
+            <a:off x="11569149" y="9525"/>
+            <a:ext cx="608910" cy="307777"/>
+          </a:xfrm>
+          <a:prstGeom prst="rect">
+            <a:avLst/>
+          </a:prstGeom>
+          <a:noFill/>
+        </p:spPr>
+        <p:txBody>
+          <a:bodyPr wrap="square" rtlCol="0">
+            <a:spAutoFit/>
+          </a:bodyPr>
+          <a:lstStyle/>
+          <a:p>
+            <a:pPr algn="r"/>
+            <a:r>
+              <a:rPr lang="en-US" sz="1400" dirty="0"/>
+              <a:t>Zoey</a:t>
+            </a:r>
+          </a:p>
+        </p:txBody>
+      </p:sp>
+      <p:pic>
+        <p:nvPicPr>
+          <p:cNvPr id="7" name="Content Placeholder 4">
+            <a:extLst>
+              <a:ext uri="{FF2B5EF4-FFF2-40B4-BE49-F238E27FC236}">
+                <a16:creationId xmlns:a16="http://schemas.microsoft.com/office/drawing/2014/main" id="{7C2DCCC1-1712-310C-231E-4D3BEB1521EA}"/>
+              </a:ext>
+            </a:extLst>
+          </p:cNvPr>
+          <p:cNvPicPr>
+            <a:picLocks noChangeAspect="1"/>
+          </p:cNvPicPr>
+          <p:nvPr/>
+        </p:nvPicPr>
+        <p:blipFill>
+          <a:blip r:embed="rId4"/>
+          <a:stretch>
+            <a:fillRect/>
+          </a:stretch>
+        </p:blipFill>
+        <p:spPr>
+          <a:xfrm>
+            <a:off x="2025626" y="3940285"/>
+            <a:ext cx="3584448" cy="3121460"/>
+          </a:xfrm>
+          <a:prstGeom prst="rect">
+            <a:avLst/>
+          </a:prstGeom>
+        </p:spPr>
+      </p:pic>
     </p:spTree>
     <p:extLst>
       <p:ext uri="{BB962C8B-B14F-4D97-AF65-F5344CB8AC3E}">
@@ -4915,7 +8054,7 @@
 </p:sld>
 </file>
 
-<file path=ppt/slides/slide5.xml><?xml version="1.0" encoding="utf-8"?>
+<file path=ppt/slides/slide6.xml><?xml version="1.0" encoding="utf-8"?>
 <p:sld xmlns:a="http://schemas.openxmlformats.org/drawingml/2006/main" xmlns:r="http://schemas.openxmlformats.org/officeDocument/2006/relationships" xmlns:p="http://schemas.openxmlformats.org/presentationml/2006/main">
   <p:cSld>
     <p:spTree>
@@ -4962,8 +8101,12 @@
           <a:lstStyle/>
           <a:p>
             <a:r>
+              <a:rPr lang="en-US" b="1" dirty="0"/>
+              <a:t>Create</a:t>
+            </a:r>
+            <a:r>
               <a:rPr lang="en-US" dirty="0"/>
-              <a:t>Create/ Egyptians</a:t>
+              <a:t>/ Egyptian Civilization</a:t>
             </a:r>
           </a:p>
         </p:txBody>
@@ -4991,7 +8134,13 @@
           <a:p>
             <a:r>
               <a:rPr lang="en-US" dirty="0"/>
-              <a:t>Egyptian women crushed lapis lazuli</a:t>
+              <a:t>Egyptian women crushed lapis lazuli </a:t>
+            </a:r>
+          </a:p>
+          <a:p>
+            <a:r>
+              <a:rPr lang="en-US" dirty="0"/>
+              <a:t>Heating a mixture of crushed limestone, sand, and copper-bearing minerals like azurite or malachite to make a blue color</a:t>
             </a:r>
           </a:p>
           <a:p>
@@ -5017,7 +8166,7 @@
           <p:nvPr/>
         </p:nvPicPr>
         <p:blipFill>
-          <a:blip r:embed="rId2"/>
+          <a:blip r:embed="rId3"/>
           <a:stretch>
             <a:fillRect/>
           </a:stretch>
@@ -5136,6 +8285,120 @@
           </a:p>
         </p:txBody>
       </p:sp>
+      <p:pic>
+        <p:nvPicPr>
+          <p:cNvPr id="5" name="Picture 4">
+            <a:extLst>
+              <a:ext uri="{FF2B5EF4-FFF2-40B4-BE49-F238E27FC236}">
+                <a16:creationId xmlns:a16="http://schemas.microsoft.com/office/drawing/2014/main" id="{29B0A566-997B-01DB-48F5-D5C6CE8EB333}"/>
+              </a:ext>
+            </a:extLst>
+          </p:cNvPr>
+          <p:cNvPicPr>
+            <a:picLocks noChangeAspect="1"/>
+          </p:cNvPicPr>
+          <p:nvPr/>
+        </p:nvPicPr>
+        <p:blipFill>
+          <a:blip r:embed="rId4"/>
+          <a:srcRect l="-490" t="41200" b="33067"/>
+          <a:stretch>
+            <a:fillRect/>
+          </a:stretch>
+        </p:blipFill>
+        <p:spPr>
+          <a:xfrm>
+            <a:off x="1298449" y="4320899"/>
+            <a:ext cx="3178778" cy="1764792"/>
+          </a:xfrm>
+          <a:prstGeom prst="rect">
+            <a:avLst/>
+          </a:prstGeom>
+        </p:spPr>
+      </p:pic>
+      <p:pic>
+        <p:nvPicPr>
+          <p:cNvPr id="1028" name="Picture 4" descr="FD&amp;C Blue 1 Alum Lake">
+            <a:extLst>
+              <a:ext uri="{FF2B5EF4-FFF2-40B4-BE49-F238E27FC236}">
+                <a16:creationId xmlns:a16="http://schemas.microsoft.com/office/drawing/2014/main" id="{C0B96F18-150A-ED32-257E-C332C9AD47E2}"/>
+              </a:ext>
+            </a:extLst>
+          </p:cNvPr>
+          <p:cNvPicPr>
+            <a:picLocks noChangeAspect="1" noChangeArrowheads="1"/>
+          </p:cNvPicPr>
+          <p:nvPr/>
+        </p:nvPicPr>
+        <p:blipFill>
+          <a:blip r:embed="rId5">
+            <a:extLst>
+              <a:ext uri="{28A0092B-C50C-407E-A947-70E740481C1C}">
+                <a14:useLocalDpi xmlns:a14="http://schemas.microsoft.com/office/drawing/2010/main" val="0"/>
+              </a:ext>
+            </a:extLst>
+          </a:blip>
+          <a:srcRect/>
+          <a:stretch>
+            <a:fillRect/>
+          </a:stretch>
+        </p:blipFill>
+        <p:spPr bwMode="auto">
+          <a:xfrm>
+            <a:off x="5385102" y="4001294"/>
+            <a:ext cx="2530411" cy="2530411"/>
+          </a:xfrm>
+          <a:prstGeom prst="rect">
+            <a:avLst/>
+          </a:prstGeom>
+          <a:noFill/>
+          <a:extLst>
+            <a:ext uri="{909E8E84-426E-40DD-AFC4-6F175D3DCCD1}">
+              <a14:hiddenFill xmlns:a14="http://schemas.microsoft.com/office/drawing/2010/main">
+                <a:solidFill>
+                  <a:srgbClr val="FFFFFF"/>
+                </a:solidFill>
+              </a14:hiddenFill>
+            </a:ext>
+          </a:extLst>
+        </p:spPr>
+      </p:pic>
+      <p:sp>
+        <p:nvSpPr>
+          <p:cNvPr id="4" name="TextBox 3">
+            <a:extLst>
+              <a:ext uri="{FF2B5EF4-FFF2-40B4-BE49-F238E27FC236}">
+                <a16:creationId xmlns:a16="http://schemas.microsoft.com/office/drawing/2014/main" id="{FF937E1B-4155-6B8C-4716-81C628518695}"/>
+              </a:ext>
+            </a:extLst>
+          </p:cNvPr>
+          <p:cNvSpPr txBox="1"/>
+          <p:nvPr/>
+        </p:nvSpPr>
+        <p:spPr>
+          <a:xfrm>
+            <a:off x="11353801" y="9525"/>
+            <a:ext cx="824258" cy="307777"/>
+          </a:xfrm>
+          <a:prstGeom prst="rect">
+            <a:avLst/>
+          </a:prstGeom>
+          <a:noFill/>
+        </p:spPr>
+        <p:txBody>
+          <a:bodyPr wrap="square" rtlCol="0">
+            <a:spAutoFit/>
+          </a:bodyPr>
+          <a:lstStyle/>
+          <a:p>
+            <a:pPr algn="r"/>
+            <a:r>
+              <a:rPr lang="en-US" sz="1400" dirty="0"/>
+              <a:t>Saanvi</a:t>
+            </a:r>
+          </a:p>
+        </p:txBody>
+      </p:sp>
     </p:spTree>
     <p:extLst>
       <p:ext uri="{BB962C8B-B14F-4D97-AF65-F5344CB8AC3E}">
@@ -5149,7 +8412,7 @@
 </p:sld>
 </file>
 
-<file path=ppt/slides/slide6.xml><?xml version="1.0" encoding="utf-8"?>
+<file path=ppt/slides/slide7.xml><?xml version="1.0" encoding="utf-8"?>
 <p:sld xmlns:a="http://schemas.openxmlformats.org/drawingml/2006/main" xmlns:r="http://schemas.openxmlformats.org/officeDocument/2006/relationships" xmlns:p="http://schemas.openxmlformats.org/presentationml/2006/main">
   <p:cSld>
     <p:spTree>
@@ -5196,8 +8459,12 @@
           <a:lstStyle/>
           <a:p>
             <a:r>
+              <a:rPr lang="en-US" b="1" dirty="0"/>
+              <a:t>Create</a:t>
+            </a:r>
+            <a:r>
               <a:rPr lang="en-US" dirty="0"/>
-              <a:t>Create/ Indus River Valley Civilization</a:t>
+              <a:t>/ Indus River Valley Civilization</a:t>
             </a:r>
           </a:p>
         </p:txBody>
@@ -5229,10 +8496,30 @@
             </a:r>
           </a:p>
           <a:p>
-            <a:endParaRPr lang="en-US" dirty="0"/>
-          </a:p>
-          <a:p>
-            <a:endParaRPr lang="en-US" dirty="0"/>
+            <a:pPr lvl="1"/>
+            <a:r>
+              <a:rPr lang="en-US" b="1" dirty="0"/>
+              <a:t>Turmeric rhizomes</a:t>
+            </a:r>
+            <a:r>
+              <a:rPr lang="en-US" dirty="0"/>
+              <a:t> were dug up, cleaned, boiled, and dried and crushed the cleaned Turmeric</a:t>
+            </a:r>
+          </a:p>
+          <a:p>
+            <a:pPr lvl="1"/>
+            <a:r>
+              <a:rPr lang="en-US" dirty="0"/>
+              <a:t>The fabric would then be </a:t>
+            </a:r>
+            <a:r>
+              <a:rPr lang="en-US" b="1" dirty="0"/>
+              <a:t>soaked in the dye bath</a:t>
+            </a:r>
+            <a:r>
+              <a:rPr lang="en-US" dirty="0"/>
+              <a:t>, allowing the color to absorb into the fibers</a:t>
+            </a:r>
           </a:p>
         </p:txBody>
       </p:sp>
@@ -5303,7 +8590,7 @@
           <p:nvPr/>
         </p:nvPicPr>
         <p:blipFill>
-          <a:blip r:embed="rId2"/>
+          <a:blip r:embed="rId3"/>
           <a:stretch>
             <a:fillRect/>
           </a:stretch>
@@ -5370,6 +8657,42 @@
           </a:p>
         </p:txBody>
       </p:sp>
+      <p:sp>
+        <p:nvSpPr>
+          <p:cNvPr id="7" name="TextBox 6">
+            <a:extLst>
+              <a:ext uri="{FF2B5EF4-FFF2-40B4-BE49-F238E27FC236}">
+                <a16:creationId xmlns:a16="http://schemas.microsoft.com/office/drawing/2014/main" id="{8B00B2D5-6B4A-4253-56CF-E6DBA5410A68}"/>
+              </a:ext>
+            </a:extLst>
+          </p:cNvPr>
+          <p:cNvSpPr txBox="1"/>
+          <p:nvPr/>
+        </p:nvSpPr>
+        <p:spPr>
+          <a:xfrm>
+            <a:off x="11353801" y="9525"/>
+            <a:ext cx="824258" cy="307777"/>
+          </a:xfrm>
+          <a:prstGeom prst="rect">
+            <a:avLst/>
+          </a:prstGeom>
+          <a:noFill/>
+        </p:spPr>
+        <p:txBody>
+          <a:bodyPr wrap="square" rtlCol="0">
+            <a:spAutoFit/>
+          </a:bodyPr>
+          <a:lstStyle/>
+          <a:p>
+            <a:pPr algn="r"/>
+            <a:r>
+              <a:rPr lang="en-US" sz="1400" dirty="0"/>
+              <a:t>Saanvi</a:t>
+            </a:r>
+          </a:p>
+        </p:txBody>
+      </p:sp>
     </p:spTree>
     <p:extLst>
       <p:ext uri="{BB962C8B-B14F-4D97-AF65-F5344CB8AC3E}">
@@ -5383,7 +8706,7 @@
 </p:sld>
 </file>
 
-<file path=ppt/slides/slide7.xml><?xml version="1.0" encoding="utf-8"?>
+<file path=ppt/slides/slide8.xml><?xml version="1.0" encoding="utf-8"?>
 <p:sld xmlns:a="http://schemas.openxmlformats.org/drawingml/2006/main" xmlns:r="http://schemas.openxmlformats.org/officeDocument/2006/relationships" xmlns:p="http://schemas.openxmlformats.org/presentationml/2006/main">
   <p:cSld>
     <p:spTree>
@@ -5430,8 +8753,12 @@
           <a:lstStyle/>
           <a:p>
             <a:r>
+              <a:rPr lang="en-US" b="1" dirty="0"/>
+              <a:t>Create</a:t>
+            </a:r>
+            <a:r>
               <a:rPr lang="en-US" dirty="0"/>
-              <a:t>Create/ Chinese</a:t>
+              <a:t>/ Chinese Civilization</a:t>
             </a:r>
           </a:p>
         </p:txBody>
@@ -5461,12 +8788,6 @@
               <a:rPr lang="en-US" dirty="0"/>
               <a:t>Crushed matcha leaves to make green powder</a:t>
             </a:r>
-          </a:p>
-          <a:p>
-            <a:endParaRPr lang="en-US" dirty="0"/>
-          </a:p>
-          <a:p>
-            <a:endParaRPr lang="en-US" dirty="0"/>
           </a:p>
         </p:txBody>
       </p:sp>
@@ -5485,7 +8806,7 @@
           <p:nvPr/>
         </p:nvPicPr>
         <p:blipFill>
-          <a:blip r:embed="rId2"/>
+          <a:blip r:embed="rId3"/>
           <a:stretch>
             <a:fillRect/>
           </a:stretch>
@@ -5604,6 +8925,42 @@
           </a:p>
         </p:txBody>
       </p:sp>
+      <p:sp>
+        <p:nvSpPr>
+          <p:cNvPr id="4" name="TextBox 3">
+            <a:extLst>
+              <a:ext uri="{FF2B5EF4-FFF2-40B4-BE49-F238E27FC236}">
+                <a16:creationId xmlns:a16="http://schemas.microsoft.com/office/drawing/2014/main" id="{E4B2D0D5-A8F5-6441-B9D4-8B4A8BA6F27E}"/>
+              </a:ext>
+            </a:extLst>
+          </p:cNvPr>
+          <p:cNvSpPr txBox="1"/>
+          <p:nvPr/>
+        </p:nvSpPr>
+        <p:spPr>
+          <a:xfrm>
+            <a:off x="11265409" y="9525"/>
+            <a:ext cx="912650" cy="307777"/>
+          </a:xfrm>
+          <a:prstGeom prst="rect">
+            <a:avLst/>
+          </a:prstGeom>
+          <a:noFill/>
+        </p:spPr>
+        <p:txBody>
+          <a:bodyPr wrap="square" rtlCol="0">
+            <a:spAutoFit/>
+          </a:bodyPr>
+          <a:lstStyle/>
+          <a:p>
+            <a:pPr algn="r"/>
+            <a:r>
+              <a:rPr lang="en-US" sz="1400" dirty="0"/>
+              <a:t>Saumya</a:t>
+            </a:r>
+          </a:p>
+        </p:txBody>
+      </p:sp>
     </p:spTree>
     <p:extLst>
       <p:ext uri="{BB962C8B-B14F-4D97-AF65-F5344CB8AC3E}">
@@ -5617,7 +8974,7 @@
 </p:sld>
 </file>
 
-<file path=ppt/slides/slide8.xml><?xml version="1.0" encoding="utf-8"?>
+<file path=ppt/slides/slide9.xml><?xml version="1.0" encoding="utf-8"?>
 <p:sld xmlns:a="http://schemas.openxmlformats.org/drawingml/2006/main" xmlns:r="http://schemas.openxmlformats.org/officeDocument/2006/relationships" xmlns:p="http://schemas.openxmlformats.org/presentationml/2006/main">
   <p:cSld>
     <p:spTree>
@@ -5664,8 +9021,12 @@
           <a:lstStyle/>
           <a:p>
             <a:r>
+              <a:rPr lang="en-US" b="1" dirty="0"/>
+              <a:t>Create</a:t>
+            </a:r>
+            <a:r>
               <a:rPr lang="en-US" dirty="0"/>
-              <a:t>Create/ Maya </a:t>
+              <a:t>/ Aztec &amp; Maya Civilization</a:t>
             </a:r>
           </a:p>
         </p:txBody>
@@ -5693,7 +9054,7 @@
           <a:p>
             <a:r>
               <a:rPr lang="en-US" dirty="0"/>
-              <a:t>Early Mexico</a:t>
+              <a:t>In the Maya civilization they used cochineal insects and hematite to create a vibrant red color</a:t>
             </a:r>
           </a:p>
         </p:txBody>
@@ -5713,7 +9074,7 @@
           <p:nvPr/>
         </p:nvPicPr>
         <p:blipFill>
-          <a:blip r:embed="rId2"/>
+          <a:blip r:embed="rId3"/>
           <a:stretch>
             <a:fillRect/>
           </a:stretch>
@@ -5832,208 +9193,27 @@
           </a:p>
         </p:txBody>
       </p:sp>
-    </p:spTree>
-    <p:extLst>
-      <p:ext uri="{BB962C8B-B14F-4D97-AF65-F5344CB8AC3E}">
-        <p14:creationId xmlns:p14="http://schemas.microsoft.com/office/powerpoint/2010/main" val="808702863"/>
-      </p:ext>
-    </p:extLst>
-  </p:cSld>
-  <p:clrMapOvr>
-    <a:masterClrMapping/>
-  </p:clrMapOvr>
-</p:sld>
-</file>
-
-<file path=ppt/slides/slide9.xml><?xml version="1.0" encoding="utf-8"?>
-<p:sld xmlns:a="http://schemas.openxmlformats.org/drawingml/2006/main" xmlns:r="http://schemas.openxmlformats.org/officeDocument/2006/relationships" xmlns:p="http://schemas.openxmlformats.org/presentationml/2006/main">
-  <p:cSld>
-    <p:spTree>
-      <p:nvGrpSpPr>
-        <p:cNvPr id="1" name="">
-          <a:extLst>
-            <a:ext uri="{FF2B5EF4-FFF2-40B4-BE49-F238E27FC236}">
-              <a16:creationId xmlns:a16="http://schemas.microsoft.com/office/drawing/2014/main" id="{B7FA057A-F055-3DC1-EEED-486AAA2D6C8B}"/>
-            </a:ext>
-          </a:extLst>
-        </p:cNvPr>
-        <p:cNvGrpSpPr/>
-        <p:nvPr/>
-      </p:nvGrpSpPr>
-      <p:grpSpPr>
-        <a:xfrm>
-          <a:off x="0" y="0"/>
-          <a:ext cx="0" cy="0"/>
-          <a:chOff x="0" y="0"/>
-          <a:chExt cx="0" cy="0"/>
-        </a:xfrm>
-      </p:grpSpPr>
-      <p:sp>
-        <p:nvSpPr>
-          <p:cNvPr id="2" name="Title 1">
-            <a:extLst>
-              <a:ext uri="{FF2B5EF4-FFF2-40B4-BE49-F238E27FC236}">
-                <a16:creationId xmlns:a16="http://schemas.microsoft.com/office/drawing/2014/main" id="{85F3E989-0B98-33C6-899F-C7AD207D2F40}"/>
-              </a:ext>
-            </a:extLst>
-          </p:cNvPr>
-          <p:cNvSpPr>
-            <a:spLocks noGrp="1"/>
-          </p:cNvSpPr>
-          <p:nvPr>
-            <p:ph type="title"/>
-          </p:nvPr>
-        </p:nvSpPr>
-        <p:spPr/>
-        <p:txBody>
-          <a:bodyPr>
-            <a:normAutofit/>
-          </a:bodyPr>
-          <a:lstStyle/>
-          <a:p>
-            <a:r>
-              <a:rPr lang="en-US" dirty="0"/>
-              <a:t>Create/ ????</a:t>
-            </a:r>
-          </a:p>
-        </p:txBody>
-      </p:sp>
-      <p:sp>
-        <p:nvSpPr>
-          <p:cNvPr id="3" name="Content Placeholder 2">
-            <a:extLst>
-              <a:ext uri="{FF2B5EF4-FFF2-40B4-BE49-F238E27FC236}">
-                <a16:creationId xmlns:a16="http://schemas.microsoft.com/office/drawing/2014/main" id="{A8361126-4FB4-FDDF-6353-D6FC8245D0E1}"/>
-              </a:ext>
-            </a:extLst>
-          </p:cNvPr>
-          <p:cNvSpPr>
-            <a:spLocks noGrp="1"/>
-          </p:cNvSpPr>
-          <p:nvPr>
-            <p:ph idx="1"/>
-          </p:nvPr>
-        </p:nvSpPr>
-        <p:spPr/>
-        <p:txBody>
-          <a:bodyPr/>
-          <a:lstStyle/>
-          <a:p>
-            <a:r>
-              <a:rPr lang="en-US" dirty="0"/>
-              <a:t>???</a:t>
-            </a:r>
-          </a:p>
-        </p:txBody>
-      </p:sp>
-      <p:pic>
-        <p:nvPicPr>
-          <p:cNvPr id="5" name="Picture 4">
-            <a:extLst>
-              <a:ext uri="{FF2B5EF4-FFF2-40B4-BE49-F238E27FC236}">
-                <a16:creationId xmlns:a16="http://schemas.microsoft.com/office/drawing/2014/main" id="{7059D971-7889-FDBC-ED42-639F15550F6F}"/>
-              </a:ext>
-            </a:extLst>
-          </p:cNvPr>
-          <p:cNvPicPr>
-            <a:picLocks noChangeAspect="1"/>
-          </p:cNvPicPr>
+      <p:sp>
+        <p:nvSpPr>
+          <p:cNvPr id="4" name="TextBox 3">
+            <a:extLst>
+              <a:ext uri="{FF2B5EF4-FFF2-40B4-BE49-F238E27FC236}">
+                <a16:creationId xmlns:a16="http://schemas.microsoft.com/office/drawing/2014/main" id="{9A811250-BAE5-9A19-8A19-5AD4F0B7CA71}"/>
+              </a:ext>
+            </a:extLst>
+          </p:cNvPr>
+          <p:cNvSpPr txBox="1"/>
           <p:nvPr/>
-        </p:nvPicPr>
-        <p:blipFill>
-          <a:blip r:embed="rId2"/>
-          <a:stretch>
-            <a:fillRect/>
-          </a:stretch>
-        </p:blipFill>
+        </p:nvSpPr>
         <p:spPr>
           <a:xfrm>
-            <a:off x="9773642" y="4704947"/>
-            <a:ext cx="2418358" cy="2153053"/>
-          </a:xfrm>
-          <a:prstGeom prst="rect">
-            <a:avLst/>
-          </a:prstGeom>
-        </p:spPr>
-      </p:pic>
-      <p:sp>
-        <p:nvSpPr>
-          <p:cNvPr id="6" name="Rectangle 5">
-            <a:extLst>
-              <a:ext uri="{FF2B5EF4-FFF2-40B4-BE49-F238E27FC236}">
-                <a16:creationId xmlns:a16="http://schemas.microsoft.com/office/drawing/2014/main" id="{033BD36C-373D-51EC-E40A-A9E9CED9CF54}"/>
-              </a:ext>
-            </a:extLst>
-          </p:cNvPr>
-          <p:cNvSpPr/>
-          <p:nvPr/>
-        </p:nvSpPr>
-        <p:spPr>
-          <a:xfrm rot="14650361">
-            <a:off x="11196297" y="5921833"/>
-            <a:ext cx="493776" cy="994581"/>
+            <a:off x="11353801" y="9525"/>
+            <a:ext cx="824258" cy="307777"/>
           </a:xfrm>
           <a:prstGeom prst="rect">
             <a:avLst/>
           </a:prstGeom>
           <a:noFill/>
-          <a:ln w="31750">
-            <a:solidFill>
-              <a:srgbClr val="C00000"/>
-            </a:solidFill>
-          </a:ln>
-        </p:spPr>
-        <p:style>
-          <a:lnRef idx="2">
-            <a:schemeClr val="accent1">
-              <a:shade val="15000"/>
-            </a:schemeClr>
-          </a:lnRef>
-          <a:fillRef idx="1">
-            <a:schemeClr val="accent1"/>
-          </a:fillRef>
-          <a:effectRef idx="0">
-            <a:schemeClr val="accent1"/>
-          </a:effectRef>
-          <a:fontRef idx="minor">
-            <a:schemeClr val="lt1"/>
-          </a:fontRef>
-        </p:style>
-        <p:txBody>
-          <a:bodyPr rtlCol="0" anchor="ctr"/>
-          <a:lstStyle/>
-          <a:p>
-            <a:pPr algn="ctr"/>
-            <a:endParaRPr lang="en-US"/>
-          </a:p>
-        </p:txBody>
-      </p:sp>
-      <p:sp>
-        <p:nvSpPr>
-          <p:cNvPr id="7" name="TextBox 6">
-            <a:extLst>
-              <a:ext uri="{FF2B5EF4-FFF2-40B4-BE49-F238E27FC236}">
-                <a16:creationId xmlns:a16="http://schemas.microsoft.com/office/drawing/2014/main" id="{45C66CB7-93C0-0C31-3171-3A5DBCBE04DB}"/>
-              </a:ext>
-            </a:extLst>
-          </p:cNvPr>
-          <p:cNvSpPr txBox="1"/>
-          <p:nvPr/>
-        </p:nvSpPr>
-        <p:spPr>
-          <a:xfrm>
-            <a:off x="9912096" y="576072"/>
-            <a:ext cx="1737360" cy="646331"/>
-          </a:xfrm>
-          <a:prstGeom prst="rect">
-            <a:avLst/>
-          </a:prstGeom>
-          <a:noFill/>
-          <a:ln w="25400">
-            <a:solidFill>
-              <a:schemeClr val="tx1"/>
-            </a:solidFill>
-          </a:ln>
         </p:spPr>
         <p:txBody>
           <a:bodyPr wrap="square" rtlCol="0">
@@ -6041,17 +9221,10 @@
           </a:bodyPr>
           <a:lstStyle/>
           <a:p>
-            <a:pPr algn="ctr"/>
-            <a:r>
-              <a:rPr lang="en-US" b="1" dirty="0"/>
-              <a:t>Artificial Dye</a:t>
-            </a:r>
-          </a:p>
-          <a:p>
-            <a:pPr algn="ctr"/>
-            <a:r>
-              <a:rPr lang="en-US" dirty="0"/>
-              <a:t>???</a:t>
+            <a:pPr algn="r"/>
+            <a:r>
+              <a:rPr lang="en-US" sz="1400" dirty="0"/>
+              <a:t>Saumya</a:t>
             </a:r>
           </a:p>
         </p:txBody>
@@ -6059,7 +9232,7 @@
     </p:spTree>
     <p:extLst>
       <p:ext uri="{BB962C8B-B14F-4D97-AF65-F5344CB8AC3E}">
-        <p14:creationId xmlns:p14="http://schemas.microsoft.com/office/powerpoint/2010/main" val="1178750218"/>
+        <p14:creationId xmlns:p14="http://schemas.microsoft.com/office/powerpoint/2010/main" val="808702863"/>
       </p:ext>
     </p:extLst>
   </p:cSld>
@@ -6362,4 +9535,299 @@
     </a:ext>
   </a:extLst>
 </a:theme>
+</file>
+
+<file path=ppt/theme/theme2.xml><?xml version="1.0" encoding="utf-8"?>
+<a:theme xmlns:a="http://schemas.openxmlformats.org/drawingml/2006/main" name="Office Theme">
+  <a:themeElements>
+    <a:clrScheme name="Office">
+      <a:dk1>
+        <a:sysClr val="windowText" lastClr="000000"/>
+      </a:dk1>
+      <a:lt1>
+        <a:sysClr val="window" lastClr="FFFFFF"/>
+      </a:lt1>
+      <a:dk2>
+        <a:srgbClr val="44546A"/>
+      </a:dk2>
+      <a:lt2>
+        <a:srgbClr val="E7E6E6"/>
+      </a:lt2>
+      <a:accent1>
+        <a:srgbClr val="4472C4"/>
+      </a:accent1>
+      <a:accent2>
+        <a:srgbClr val="ED7D31"/>
+      </a:accent2>
+      <a:accent3>
+        <a:srgbClr val="A5A5A5"/>
+      </a:accent3>
+      <a:accent4>
+        <a:srgbClr val="FFC000"/>
+      </a:accent4>
+      <a:accent5>
+        <a:srgbClr val="5B9BD5"/>
+      </a:accent5>
+      <a:accent6>
+        <a:srgbClr val="70AD47"/>
+      </a:accent6>
+      <a:hlink>
+        <a:srgbClr val="0563C1"/>
+      </a:hlink>
+      <a:folHlink>
+        <a:srgbClr val="954F72"/>
+      </a:folHlink>
+    </a:clrScheme>
+    <a:fontScheme name="Office">
+      <a:majorFont>
+        <a:latin typeface="Calibri Light" panose="020F0302020204030204"/>
+        <a:ea typeface=""/>
+        <a:cs typeface=""/>
+        <a:font script="Jpan" typeface="游ゴシック Light"/>
+        <a:font script="Hang" typeface="맑은 고딕"/>
+        <a:font script="Hans" typeface="等线 Light"/>
+        <a:font script="Hant" typeface="新細明體"/>
+        <a:font script="Arab" typeface="Times New Roman"/>
+        <a:font script="Hebr" typeface="Times New Roman"/>
+        <a:font script="Thai" typeface="Angsana New"/>
+        <a:font script="Ethi" typeface="Nyala"/>
+        <a:font script="Beng" typeface="Vrinda"/>
+        <a:font script="Gujr" typeface="Shruti"/>
+        <a:font script="Khmr" typeface="MoolBoran"/>
+        <a:font script="Knda" typeface="Tunga"/>
+        <a:font script="Guru" typeface="Raavi"/>
+        <a:font script="Cans" typeface="Euphemia"/>
+        <a:font script="Cher" typeface="Plantagenet Cherokee"/>
+        <a:font script="Yiii" typeface="Microsoft Yi Baiti"/>
+        <a:font script="Tibt" typeface="Microsoft Himalaya"/>
+        <a:font script="Thaa" typeface="MV Boli"/>
+        <a:font script="Deva" typeface="Mangal"/>
+        <a:font script="Telu" typeface="Gautami"/>
+        <a:font script="Taml" typeface="Latha"/>
+        <a:font script="Syrc" typeface="Estrangelo Edessa"/>
+        <a:font script="Orya" typeface="Kalinga"/>
+        <a:font script="Mlym" typeface="Kartika"/>
+        <a:font script="Laoo" typeface="DokChampa"/>
+        <a:font script="Sinh" typeface="Iskoola Pota"/>
+        <a:font script="Mong" typeface="Mongolian Baiti"/>
+        <a:font script="Viet" typeface="Times New Roman"/>
+        <a:font script="Uigh" typeface="Microsoft Uighur"/>
+        <a:font script="Geor" typeface="Sylfaen"/>
+        <a:font script="Armn" typeface="Arial"/>
+        <a:font script="Bugi" typeface="Leelawadee UI"/>
+        <a:font script="Bopo" typeface="Microsoft JhengHei"/>
+        <a:font script="Java" typeface="Javanese Text"/>
+        <a:font script="Lisu" typeface="Segoe UI"/>
+        <a:font script="Mymr" typeface="Myanmar Text"/>
+        <a:font script="Nkoo" typeface="Ebrima"/>
+        <a:font script="Olck" typeface="Nirmala UI"/>
+        <a:font script="Osma" typeface="Ebrima"/>
+        <a:font script="Phag" typeface="Phagspa"/>
+        <a:font script="Syrn" typeface="Estrangelo Edessa"/>
+        <a:font script="Syrj" typeface="Estrangelo Edessa"/>
+        <a:font script="Syre" typeface="Estrangelo Edessa"/>
+        <a:font script="Sora" typeface="Nirmala UI"/>
+        <a:font script="Tale" typeface="Microsoft Tai Le"/>
+        <a:font script="Talu" typeface="Microsoft New Tai Lue"/>
+        <a:font script="Tfng" typeface="Ebrima"/>
+      </a:majorFont>
+      <a:minorFont>
+        <a:latin typeface="Calibri" panose="020F0502020204030204"/>
+        <a:ea typeface=""/>
+        <a:cs typeface=""/>
+        <a:font script="Jpan" typeface="游ゴシック"/>
+        <a:font script="Hang" typeface="맑은 고딕"/>
+        <a:font script="Hans" typeface="等线"/>
+        <a:font script="Hant" typeface="新細明體"/>
+        <a:font script="Arab" typeface="Arial"/>
+        <a:font script="Hebr" typeface="Arial"/>
+        <a:font script="Thai" typeface="Cordia New"/>
+        <a:font script="Ethi" typeface="Nyala"/>
+        <a:font script="Beng" typeface="Vrinda"/>
+        <a:font script="Gujr" typeface="Shruti"/>
+        <a:font script="Khmr" typeface="DaunPenh"/>
+        <a:font script="Knda" typeface="Tunga"/>
+        <a:font script="Guru" typeface="Raavi"/>
+        <a:font script="Cans" typeface="Euphemia"/>
+        <a:font script="Cher" typeface="Plantagenet Cherokee"/>
+        <a:font script="Yiii" typeface="Microsoft Yi Baiti"/>
+        <a:font script="Tibt" typeface="Microsoft Himalaya"/>
+        <a:font script="Thaa" typeface="MV Boli"/>
+        <a:font script="Deva" typeface="Mangal"/>
+        <a:font script="Telu" typeface="Gautami"/>
+        <a:font script="Taml" typeface="Latha"/>
+        <a:font script="Syrc" typeface="Estrangelo Edessa"/>
+        <a:font script="Orya" typeface="Kalinga"/>
+        <a:font script="Mlym" typeface="Kartika"/>
+        <a:font script="Laoo" typeface="DokChampa"/>
+        <a:font script="Sinh" typeface="Iskoola Pota"/>
+        <a:font script="Mong" typeface="Mongolian Baiti"/>
+        <a:font script="Viet" typeface="Arial"/>
+        <a:font script="Uigh" typeface="Microsoft Uighur"/>
+        <a:font script="Geor" typeface="Sylfaen"/>
+        <a:font script="Armn" typeface="Arial"/>
+        <a:font script="Bugi" typeface="Leelawadee UI"/>
+        <a:font script="Bopo" typeface="Microsoft JhengHei"/>
+        <a:font script="Java" typeface="Javanese Text"/>
+        <a:font script="Lisu" typeface="Segoe UI"/>
+        <a:font script="Mymr" typeface="Myanmar Text"/>
+        <a:font script="Nkoo" typeface="Ebrima"/>
+        <a:font script="Olck" typeface="Nirmala UI"/>
+        <a:font script="Osma" typeface="Ebrima"/>
+        <a:font script="Phag" typeface="Phagspa"/>
+        <a:font script="Syrn" typeface="Estrangelo Edessa"/>
+        <a:font script="Syrj" typeface="Estrangelo Edessa"/>
+        <a:font script="Syre" typeface="Estrangelo Edessa"/>
+        <a:font script="Sora" typeface="Nirmala UI"/>
+        <a:font script="Tale" typeface="Microsoft Tai Le"/>
+        <a:font script="Talu" typeface="Microsoft New Tai Lue"/>
+        <a:font script="Tfng" typeface="Ebrima"/>
+      </a:minorFont>
+    </a:fontScheme>
+    <a:fmtScheme name="Office">
+      <a:fillStyleLst>
+        <a:solidFill>
+          <a:schemeClr val="phClr"/>
+        </a:solidFill>
+        <a:gradFill rotWithShape="1">
+          <a:gsLst>
+            <a:gs pos="0">
+              <a:schemeClr val="phClr">
+                <a:lumMod val="110000"/>
+                <a:satMod val="105000"/>
+                <a:tint val="67000"/>
+              </a:schemeClr>
+            </a:gs>
+            <a:gs pos="50000">
+              <a:schemeClr val="phClr">
+                <a:lumMod val="105000"/>
+                <a:satMod val="103000"/>
+                <a:tint val="73000"/>
+              </a:schemeClr>
+            </a:gs>
+            <a:gs pos="100000">
+              <a:schemeClr val="phClr">
+                <a:lumMod val="105000"/>
+                <a:satMod val="109000"/>
+                <a:tint val="81000"/>
+              </a:schemeClr>
+            </a:gs>
+          </a:gsLst>
+          <a:lin ang="5400000" scaled="0"/>
+        </a:gradFill>
+        <a:gradFill rotWithShape="1">
+          <a:gsLst>
+            <a:gs pos="0">
+              <a:schemeClr val="phClr">
+                <a:satMod val="103000"/>
+                <a:lumMod val="102000"/>
+                <a:tint val="94000"/>
+              </a:schemeClr>
+            </a:gs>
+            <a:gs pos="50000">
+              <a:schemeClr val="phClr">
+                <a:satMod val="110000"/>
+                <a:lumMod val="100000"/>
+                <a:shade val="100000"/>
+              </a:schemeClr>
+            </a:gs>
+            <a:gs pos="100000">
+              <a:schemeClr val="phClr">
+                <a:lumMod val="99000"/>
+                <a:satMod val="120000"/>
+                <a:shade val="78000"/>
+              </a:schemeClr>
+            </a:gs>
+          </a:gsLst>
+          <a:lin ang="5400000" scaled="0"/>
+        </a:gradFill>
+      </a:fillStyleLst>
+      <a:lnStyleLst>
+        <a:ln w="6350" cap="flat" cmpd="sng" algn="ctr">
+          <a:solidFill>
+            <a:schemeClr val="phClr"/>
+          </a:solidFill>
+          <a:prstDash val="solid"/>
+          <a:miter lim="800000"/>
+        </a:ln>
+        <a:ln w="12700" cap="flat" cmpd="sng" algn="ctr">
+          <a:solidFill>
+            <a:schemeClr val="phClr"/>
+          </a:solidFill>
+          <a:prstDash val="solid"/>
+          <a:miter lim="800000"/>
+        </a:ln>
+        <a:ln w="19050" cap="flat" cmpd="sng" algn="ctr">
+          <a:solidFill>
+            <a:schemeClr val="phClr"/>
+          </a:solidFill>
+          <a:prstDash val="solid"/>
+          <a:miter lim="800000"/>
+        </a:ln>
+      </a:lnStyleLst>
+      <a:effectStyleLst>
+        <a:effectStyle>
+          <a:effectLst/>
+        </a:effectStyle>
+        <a:effectStyle>
+          <a:effectLst/>
+        </a:effectStyle>
+        <a:effectStyle>
+          <a:effectLst>
+            <a:outerShdw blurRad="57150" dist="19050" dir="5400000" algn="ctr" rotWithShape="0">
+              <a:srgbClr val="000000">
+                <a:alpha val="63000"/>
+              </a:srgbClr>
+            </a:outerShdw>
+          </a:effectLst>
+        </a:effectStyle>
+      </a:effectStyleLst>
+      <a:bgFillStyleLst>
+        <a:solidFill>
+          <a:schemeClr val="phClr"/>
+        </a:solidFill>
+        <a:solidFill>
+          <a:schemeClr val="phClr">
+            <a:tint val="95000"/>
+            <a:satMod val="170000"/>
+          </a:schemeClr>
+        </a:solidFill>
+        <a:gradFill rotWithShape="1">
+          <a:gsLst>
+            <a:gs pos="0">
+              <a:schemeClr val="phClr">
+                <a:tint val="93000"/>
+                <a:satMod val="150000"/>
+                <a:shade val="98000"/>
+                <a:lumMod val="102000"/>
+              </a:schemeClr>
+            </a:gs>
+            <a:gs pos="50000">
+              <a:schemeClr val="phClr">
+                <a:tint val="98000"/>
+                <a:satMod val="130000"/>
+                <a:shade val="90000"/>
+                <a:lumMod val="103000"/>
+              </a:schemeClr>
+            </a:gs>
+            <a:gs pos="100000">
+              <a:schemeClr val="phClr">
+                <a:shade val="63000"/>
+                <a:satMod val="120000"/>
+              </a:schemeClr>
+            </a:gs>
+          </a:gsLst>
+          <a:lin ang="5400000" scaled="0"/>
+        </a:gradFill>
+      </a:bgFillStyleLst>
+    </a:fmtScheme>
+  </a:themeElements>
+  <a:objectDefaults/>
+  <a:extraClrSchemeLst/>
+  <a:extLst>
+    <a:ext uri="{05A4C25C-085E-4340-85A3-A5531E510DB2}">
+      <thm15:themeFamily xmlns:thm15="http://schemas.microsoft.com/office/thememl/2012/main" name="Office Theme" id="{62F939B6-93AF-4DB8-9C6B-D6C7DFDC589F}" vid="{4A3C46E8-61CC-4603-A589-7422A47A8E4A}"/>
+    </a:ext>
+  </a:extLst>
+</a:theme>
 </file>